--- a/GCP_註冊及建立專案.pptx
+++ b/GCP_註冊及建立專案.pptx
@@ -8,26 +8,36 @@
     <p:sldId id="256" r:id="rId2"/>
     <p:sldId id="258" r:id="rId3"/>
     <p:sldId id="257" r:id="rId4"/>
-    <p:sldId id="259" r:id="rId5"/>
-    <p:sldId id="278" r:id="rId6"/>
-    <p:sldId id="260" r:id="rId7"/>
-    <p:sldId id="261" r:id="rId8"/>
-    <p:sldId id="262" r:id="rId9"/>
-    <p:sldId id="263" r:id="rId10"/>
-    <p:sldId id="264" r:id="rId11"/>
-    <p:sldId id="265" r:id="rId12"/>
-    <p:sldId id="266" r:id="rId13"/>
-    <p:sldId id="267" r:id="rId14"/>
-    <p:sldId id="268" r:id="rId15"/>
-    <p:sldId id="269" r:id="rId16"/>
-    <p:sldId id="270" r:id="rId17"/>
-    <p:sldId id="271" r:id="rId18"/>
-    <p:sldId id="272" r:id="rId19"/>
-    <p:sldId id="273" r:id="rId20"/>
-    <p:sldId id="274" r:id="rId21"/>
-    <p:sldId id="275" r:id="rId22"/>
-    <p:sldId id="276" r:id="rId23"/>
-    <p:sldId id="277" r:id="rId24"/>
+    <p:sldId id="280" r:id="rId5"/>
+    <p:sldId id="279" r:id="rId6"/>
+    <p:sldId id="281" r:id="rId7"/>
+    <p:sldId id="282" r:id="rId8"/>
+    <p:sldId id="283" r:id="rId9"/>
+    <p:sldId id="284" r:id="rId10"/>
+    <p:sldId id="285" r:id="rId11"/>
+    <p:sldId id="286" r:id="rId12"/>
+    <p:sldId id="259" r:id="rId13"/>
+    <p:sldId id="278" r:id="rId14"/>
+    <p:sldId id="260" r:id="rId15"/>
+    <p:sldId id="261" r:id="rId16"/>
+    <p:sldId id="262" r:id="rId17"/>
+    <p:sldId id="263" r:id="rId18"/>
+    <p:sldId id="264" r:id="rId19"/>
+    <p:sldId id="265" r:id="rId20"/>
+    <p:sldId id="266" r:id="rId21"/>
+    <p:sldId id="267" r:id="rId22"/>
+    <p:sldId id="268" r:id="rId23"/>
+    <p:sldId id="269" r:id="rId24"/>
+    <p:sldId id="270" r:id="rId25"/>
+    <p:sldId id="271" r:id="rId26"/>
+    <p:sldId id="272" r:id="rId27"/>
+    <p:sldId id="273" r:id="rId28"/>
+    <p:sldId id="274" r:id="rId29"/>
+    <p:sldId id="275" r:id="rId30"/>
+    <p:sldId id="276" r:id="rId31"/>
+    <p:sldId id="277" r:id="rId32"/>
+    <p:sldId id="287" r:id="rId33"/>
+    <p:sldId id="288" r:id="rId34"/>
   </p:sldIdLst>
   <p:sldSz cx="12192000" cy="6858000"/>
   <p:notesSz cx="6858000" cy="9144000"/>
@@ -126,6 +136,11 @@
       </a:defRPr>
     </a:lvl9pPr>
   </p:defaultTextStyle>
+  <p:extLst>
+    <p:ext uri="{EFAFB233-063F-42B5-8137-9DF3F51BA10A}">
+      <p15:sldGuideLst xmlns:p15="http://schemas.microsoft.com/office/powerpoint/2012/main"/>
+    </p:ext>
+  </p:extLst>
 </p:presentation>
 </file>
 
@@ -1340,7 +1355,7 @@
           <a:p>
             <a:fld id="{A7854436-4979-48D2-9263-78A28002A9CF}" type="datetimeFigureOut">
               <a:rPr lang="zh-TW" altLang="en-US" smtClean="0"/>
-              <a:t>2019/12/17</a:t>
+              <a:t>2019/12/18</a:t>
             </a:fld>
             <a:endParaRPr lang="zh-TW" altLang="en-US"/>
           </a:p>
@@ -1578,7 +1593,7 @@
           <a:p>
             <a:fld id="{A7854436-4979-48D2-9263-78A28002A9CF}" type="datetimeFigureOut">
               <a:rPr lang="zh-TW" altLang="en-US" smtClean="0"/>
-              <a:t>2019/12/17</a:t>
+              <a:t>2019/12/18</a:t>
             </a:fld>
             <a:endParaRPr lang="zh-TW" altLang="en-US"/>
           </a:p>
@@ -1758,7 +1773,7 @@
           <a:p>
             <a:fld id="{A7854436-4979-48D2-9263-78A28002A9CF}" type="datetimeFigureOut">
               <a:rPr lang="zh-TW" altLang="en-US" smtClean="0"/>
-              <a:t>2019/12/17</a:t>
+              <a:t>2019/12/18</a:t>
             </a:fld>
             <a:endParaRPr lang="zh-TW" altLang="en-US"/>
           </a:p>
@@ -1928,7 +1943,7 @@
           <a:p>
             <a:fld id="{A7854436-4979-48D2-9263-78A28002A9CF}" type="datetimeFigureOut">
               <a:rPr lang="zh-TW" altLang="en-US" smtClean="0"/>
-              <a:t>2019/12/17</a:t>
+              <a:t>2019/12/18</a:t>
             </a:fld>
             <a:endParaRPr lang="zh-TW" altLang="en-US"/>
           </a:p>
@@ -2204,7 +2219,7 @@
           <a:p>
             <a:fld id="{A7854436-4979-48D2-9263-78A28002A9CF}" type="datetimeFigureOut">
               <a:rPr lang="zh-TW" altLang="en-US" smtClean="0"/>
-              <a:t>2019/12/17</a:t>
+              <a:t>2019/12/18</a:t>
             </a:fld>
             <a:endParaRPr lang="zh-TW" altLang="en-US"/>
           </a:p>
@@ -3405,7 +3420,7 @@
           <a:p>
             <a:fld id="{A7854436-4979-48D2-9263-78A28002A9CF}" type="datetimeFigureOut">
               <a:rPr lang="zh-TW" altLang="en-US" smtClean="0"/>
-              <a:t>2019/12/17</a:t>
+              <a:t>2019/12/18</a:t>
             </a:fld>
             <a:endParaRPr lang="zh-TW" altLang="en-US"/>
           </a:p>
@@ -3795,7 +3810,7 @@
           <a:p>
             <a:fld id="{A7854436-4979-48D2-9263-78A28002A9CF}" type="datetimeFigureOut">
               <a:rPr lang="zh-TW" altLang="en-US" smtClean="0"/>
-              <a:t>2019/12/17</a:t>
+              <a:t>2019/12/18</a:t>
             </a:fld>
             <a:endParaRPr lang="zh-TW" altLang="en-US"/>
           </a:p>
@@ -3918,7 +3933,7 @@
           <a:p>
             <a:fld id="{A7854436-4979-48D2-9263-78A28002A9CF}" type="datetimeFigureOut">
               <a:rPr lang="zh-TW" altLang="en-US" smtClean="0"/>
-              <a:t>2019/12/17</a:t>
+              <a:t>2019/12/18</a:t>
             </a:fld>
             <a:endParaRPr lang="zh-TW" altLang="en-US"/>
           </a:p>
@@ -4013,7 +4028,7 @@
           <a:p>
             <a:fld id="{A7854436-4979-48D2-9263-78A28002A9CF}" type="datetimeFigureOut">
               <a:rPr lang="zh-TW" altLang="en-US" smtClean="0"/>
-              <a:t>2019/12/17</a:t>
+              <a:t>2019/12/18</a:t>
             </a:fld>
             <a:endParaRPr lang="zh-TW" altLang="en-US"/>
           </a:p>
@@ -4776,7 +4791,7 @@
           <a:p>
             <a:fld id="{A7854436-4979-48D2-9263-78A28002A9CF}" type="datetimeFigureOut">
               <a:rPr lang="zh-TW" altLang="en-US" smtClean="0"/>
-              <a:t>2019/12/17</a:t>
+              <a:t>2019/12/18</a:t>
             </a:fld>
             <a:endParaRPr lang="zh-TW" altLang="en-US"/>
           </a:p>
@@ -5616,7 +5631,7 @@
           <a:p>
             <a:fld id="{A7854436-4979-48D2-9263-78A28002A9CF}" type="datetimeFigureOut">
               <a:rPr lang="zh-TW" altLang="en-US" smtClean="0"/>
-              <a:t>2019/12/17</a:t>
+              <a:t>2019/12/18</a:t>
             </a:fld>
             <a:endParaRPr lang="zh-TW" altLang="en-US"/>
           </a:p>
@@ -5843,7 +5858,7 @@
           <a:p>
             <a:fld id="{A7854436-4979-48D2-9263-78A28002A9CF}" type="datetimeFigureOut">
               <a:rPr lang="zh-TW" altLang="en-US" smtClean="0"/>
-              <a:t>2019/12/17</a:t>
+              <a:t>2019/12/18</a:t>
             </a:fld>
             <a:endParaRPr lang="zh-TW" altLang="en-US"/>
           </a:p>
@@ -6941,6 +6956,869 @@
           <p:cNvPr id="2" name="標題 1">
             <a:extLst>
               <a:ext uri="{FF2B5EF4-FFF2-40B4-BE49-F238E27FC236}">
+                <a16:creationId xmlns:a16="http://schemas.microsoft.com/office/drawing/2014/main" id="{C5FC6E96-AFCE-4C4A-B94C-01595FEE35D7}"/>
+              </a:ext>
+            </a:extLst>
+          </p:cNvPr>
+          <p:cNvSpPr>
+            <a:spLocks noGrp="1"/>
+          </p:cNvSpPr>
+          <p:nvPr>
+            <p:ph type="title"/>
+          </p:nvPr>
+        </p:nvSpPr>
+        <p:spPr>
+          <a:xfrm>
+            <a:off x="1251678" y="382385"/>
+            <a:ext cx="10178322" cy="965648"/>
+          </a:xfrm>
+        </p:spPr>
+        <p:txBody>
+          <a:bodyPr/>
+          <a:lstStyle/>
+          <a:p>
+            <a:r>
+              <a:rPr lang="zh-TW" altLang="en-US" dirty="0"/>
+              <a:t>為什麼選擇谷歌雲端平台</a:t>
+            </a:r>
+            <a:r>
+              <a:rPr lang="en-US" altLang="zh-TW" dirty="0"/>
+              <a:t>(</a:t>
+            </a:r>
+            <a:r>
+              <a:rPr lang="zh-TW" altLang="en-US" dirty="0"/>
+              <a:t>續</a:t>
+            </a:r>
+            <a:r>
+              <a:rPr lang="en-US" altLang="zh-TW" dirty="0"/>
+              <a:t>)</a:t>
+            </a:r>
+            <a:endParaRPr lang="zh-TW" altLang="en-US" dirty="0"/>
+          </a:p>
+        </p:txBody>
+      </p:sp>
+      <p:sp>
+        <p:nvSpPr>
+          <p:cNvPr id="3" name="內容版面配置區 2">
+            <a:extLst>
+              <a:ext uri="{FF2B5EF4-FFF2-40B4-BE49-F238E27FC236}">
+                <a16:creationId xmlns:a16="http://schemas.microsoft.com/office/drawing/2014/main" id="{14E288C0-0146-4096-8BEE-12523E893FC4}"/>
+              </a:ext>
+            </a:extLst>
+          </p:cNvPr>
+          <p:cNvSpPr>
+            <a:spLocks noGrp="1"/>
+          </p:cNvSpPr>
+          <p:nvPr>
+            <p:ph idx="1"/>
+          </p:nvPr>
+        </p:nvSpPr>
+        <p:spPr>
+          <a:xfrm>
+            <a:off x="1251678" y="1414021"/>
+            <a:ext cx="10178322" cy="4465571"/>
+          </a:xfrm>
+        </p:spPr>
+        <p:txBody>
+          <a:bodyPr/>
+          <a:lstStyle/>
+          <a:p>
+            <a:r>
+              <a:rPr lang="zh-TW" altLang="en-US" dirty="0"/>
+              <a:t>＃</a:t>
+            </a:r>
+            <a:r>
+              <a:rPr lang="en-US" altLang="zh-TW" dirty="0"/>
+              <a:t>5</a:t>
+            </a:r>
+            <a:r>
+              <a:rPr lang="zh-TW" altLang="en-US" dirty="0"/>
+              <a:t>值得信賴的表現</a:t>
+            </a:r>
+            <a:endParaRPr lang="en-US" altLang="zh-TW" dirty="0"/>
+          </a:p>
+          <a:p>
+            <a:r>
+              <a:rPr lang="en-US" altLang="zh-TW" dirty="0"/>
+              <a:t>Google</a:t>
+            </a:r>
+            <a:r>
+              <a:rPr lang="zh-TW" altLang="en-US" dirty="0"/>
+              <a:t>的計算基礎架構可為您提供一致的</a:t>
+            </a:r>
+            <a:r>
+              <a:rPr lang="en-US" altLang="zh-TW" dirty="0"/>
+              <a:t>CPU</a:t>
+            </a:r>
+            <a:r>
+              <a:rPr lang="zh-TW" altLang="en-US" dirty="0"/>
+              <a:t>，記憶體和硬碟性能。 網路和邊緣緩存可快速為全球用戶提供響應。</a:t>
+            </a:r>
+            <a:endParaRPr lang="en-US" altLang="zh-TW" dirty="0"/>
+          </a:p>
+          <a:p>
+            <a:r>
+              <a:rPr lang="en-US" altLang="zh-TW" dirty="0"/>
+              <a:t>CPU</a:t>
+            </a:r>
+            <a:r>
+              <a:rPr lang="zh-TW" altLang="en-US" dirty="0"/>
+              <a:t>，記憶體和磁盤</a:t>
+            </a:r>
+            <a:endParaRPr lang="en-US" altLang="zh-TW" dirty="0"/>
+          </a:p>
+          <a:p>
+            <a:r>
+              <a:rPr lang="zh-TW" altLang="en-US" dirty="0"/>
+              <a:t>全球網路</a:t>
+            </a:r>
+            <a:endParaRPr lang="en-US" altLang="zh-TW" dirty="0"/>
+          </a:p>
+          <a:p>
+            <a:r>
+              <a:rPr lang="zh-TW" altLang="en-US" dirty="0"/>
+              <a:t>透通維護</a:t>
+            </a:r>
+          </a:p>
+        </p:txBody>
+      </p:sp>
+    </p:spTree>
+    <p:extLst>
+      <p:ext uri="{BB962C8B-B14F-4D97-AF65-F5344CB8AC3E}">
+        <p14:creationId xmlns:p14="http://schemas.microsoft.com/office/powerpoint/2010/main" val="1687988762"/>
+      </p:ext>
+    </p:extLst>
+  </p:cSld>
+  <p:clrMapOvr>
+    <a:masterClrMapping/>
+  </p:clrMapOvr>
+</p:sld>
+</file>
+
+<file path=ppt/slides/slide11.xml><?xml version="1.0" encoding="utf-8"?>
+<p:sld xmlns:a="http://schemas.openxmlformats.org/drawingml/2006/main" xmlns:r="http://schemas.openxmlformats.org/officeDocument/2006/relationships" xmlns:p="http://schemas.openxmlformats.org/presentationml/2006/main">
+  <p:cSld>
+    <p:spTree>
+      <p:nvGrpSpPr>
+        <p:cNvPr id="1" name=""/>
+        <p:cNvGrpSpPr/>
+        <p:nvPr/>
+      </p:nvGrpSpPr>
+      <p:grpSpPr>
+        <a:xfrm>
+          <a:off x="0" y="0"/>
+          <a:ext cx="0" cy="0"/>
+          <a:chOff x="0" y="0"/>
+          <a:chExt cx="0" cy="0"/>
+        </a:xfrm>
+      </p:grpSpPr>
+      <p:sp>
+        <p:nvSpPr>
+          <p:cNvPr id="2" name="標題 1">
+            <a:extLst>
+              <a:ext uri="{FF2B5EF4-FFF2-40B4-BE49-F238E27FC236}">
+                <a16:creationId xmlns:a16="http://schemas.microsoft.com/office/drawing/2014/main" id="{14E110C0-892A-4047-8396-821BBA602C34}"/>
+              </a:ext>
+            </a:extLst>
+          </p:cNvPr>
+          <p:cNvSpPr>
+            <a:spLocks noGrp="1"/>
+          </p:cNvSpPr>
+          <p:nvPr>
+            <p:ph type="title"/>
+          </p:nvPr>
+        </p:nvSpPr>
+        <p:spPr>
+          <a:xfrm>
+            <a:off x="1251678" y="382385"/>
+            <a:ext cx="10178322" cy="795966"/>
+          </a:xfrm>
+        </p:spPr>
+        <p:txBody>
+          <a:bodyPr/>
+          <a:lstStyle/>
+          <a:p>
+            <a:r>
+              <a:rPr lang="zh-TW" altLang="en-US" dirty="0"/>
+              <a:t>為什麼選擇谷歌雲端平台</a:t>
+            </a:r>
+            <a:r>
+              <a:rPr lang="en-US" altLang="zh-TW" dirty="0"/>
+              <a:t>(</a:t>
+            </a:r>
+            <a:r>
+              <a:rPr lang="zh-TW" altLang="en-US" dirty="0"/>
+              <a:t>續</a:t>
+            </a:r>
+            <a:r>
+              <a:rPr lang="en-US" altLang="zh-TW" dirty="0"/>
+              <a:t>)</a:t>
+            </a:r>
+            <a:endParaRPr lang="zh-TW" altLang="en-US" dirty="0"/>
+          </a:p>
+        </p:txBody>
+      </p:sp>
+      <p:sp>
+        <p:nvSpPr>
+          <p:cNvPr id="3" name="內容版面配置區 2">
+            <a:extLst>
+              <a:ext uri="{FF2B5EF4-FFF2-40B4-BE49-F238E27FC236}">
+                <a16:creationId xmlns:a16="http://schemas.microsoft.com/office/drawing/2014/main" id="{582B32CE-23DD-4567-BFE4-E201ECA81077}"/>
+              </a:ext>
+            </a:extLst>
+          </p:cNvPr>
+          <p:cNvSpPr>
+            <a:spLocks noGrp="1"/>
+          </p:cNvSpPr>
+          <p:nvPr>
+            <p:ph idx="1"/>
+          </p:nvPr>
+        </p:nvSpPr>
+        <p:spPr>
+          <a:xfrm>
+            <a:off x="1251678" y="2309567"/>
+            <a:ext cx="10178322" cy="3570025"/>
+          </a:xfrm>
+        </p:spPr>
+        <p:txBody>
+          <a:bodyPr>
+            <a:normAutofit/>
+          </a:bodyPr>
+          <a:lstStyle/>
+          <a:p>
+            <a:pPr marL="457200" indent="-457200">
+              <a:buFont typeface="+mj-lt"/>
+              <a:buAutoNum type="arabicPeriod" startAt="6"/>
+            </a:pPr>
+            <a:r>
+              <a:rPr lang="zh-TW" altLang="en-US" sz="3200" dirty="0"/>
+              <a:t>獲得所需的支持</a:t>
+            </a:r>
+          </a:p>
+          <a:p>
+            <a:pPr marL="0" indent="0">
+              <a:buNone/>
+            </a:pPr>
+            <a:r>
+              <a:rPr lang="zh-TW" altLang="en-US" sz="3200" dirty="0"/>
+              <a:t>借助遍布全球的用戶社區，合作夥伴生態系統和高級支持包，</a:t>
+            </a:r>
+            <a:r>
+              <a:rPr lang="en-US" altLang="zh-TW" sz="3200" dirty="0"/>
+              <a:t>Google</a:t>
+            </a:r>
+            <a:r>
+              <a:rPr lang="zh-TW" altLang="en-US" sz="3200" dirty="0"/>
+              <a:t>提供了全面的資源來幫助您入門和發展。</a:t>
+            </a:r>
+          </a:p>
+        </p:txBody>
+      </p:sp>
+    </p:spTree>
+    <p:extLst>
+      <p:ext uri="{BB962C8B-B14F-4D97-AF65-F5344CB8AC3E}">
+        <p14:creationId xmlns:p14="http://schemas.microsoft.com/office/powerpoint/2010/main" val="4210831029"/>
+      </p:ext>
+    </p:extLst>
+  </p:cSld>
+  <p:clrMapOvr>
+    <a:masterClrMapping/>
+  </p:clrMapOvr>
+</p:sld>
+</file>
+
+<file path=ppt/slides/slide12.xml><?xml version="1.0" encoding="utf-8"?>
+<p:sld xmlns:a="http://schemas.openxmlformats.org/drawingml/2006/main" xmlns:r="http://schemas.openxmlformats.org/officeDocument/2006/relationships" xmlns:p="http://schemas.openxmlformats.org/presentationml/2006/main">
+  <p:cSld>
+    <p:spTree>
+      <p:nvGrpSpPr>
+        <p:cNvPr id="1" name=""/>
+        <p:cNvGrpSpPr/>
+        <p:nvPr/>
+      </p:nvGrpSpPr>
+      <p:grpSpPr>
+        <a:xfrm>
+          <a:off x="0" y="0"/>
+          <a:ext cx="0" cy="0"/>
+          <a:chOff x="0" y="0"/>
+          <a:chExt cx="0" cy="0"/>
+        </a:xfrm>
+      </p:grpSpPr>
+      <p:sp>
+        <p:nvSpPr>
+          <p:cNvPr id="2" name="標題 1">
+            <a:extLst>
+              <a:ext uri="{FF2B5EF4-FFF2-40B4-BE49-F238E27FC236}">
+                <a16:creationId xmlns:a16="http://schemas.microsoft.com/office/drawing/2014/main" id="{9FC85AB1-BE40-4FB3-B266-3FE93C9ED25F}"/>
+              </a:ext>
+            </a:extLst>
+          </p:cNvPr>
+          <p:cNvSpPr>
+            <a:spLocks noGrp="1"/>
+          </p:cNvSpPr>
+          <p:nvPr>
+            <p:ph type="title"/>
+          </p:nvPr>
+        </p:nvSpPr>
+        <p:spPr>
+          <a:xfrm>
+            <a:off x="1395516" y="2560506"/>
+            <a:ext cx="10178322" cy="1492132"/>
+          </a:xfrm>
+        </p:spPr>
+        <p:txBody>
+          <a:bodyPr/>
+          <a:lstStyle/>
+          <a:p>
+            <a:r>
+              <a:rPr lang="en-US" altLang="zh-TW" dirty="0"/>
+              <a:t>Day1-1 </a:t>
+            </a:r>
+            <a:br>
+              <a:rPr lang="en-US" altLang="zh-TW" dirty="0"/>
+            </a:br>
+            <a:r>
+              <a:rPr lang="en-US" altLang="zh-TW" dirty="0"/>
+              <a:t>Google </a:t>
+            </a:r>
+            <a:r>
+              <a:rPr lang="en-US" altLang="zh-TW" dirty="0" err="1"/>
+              <a:t>gcp</a:t>
+            </a:r>
+            <a:r>
+              <a:rPr lang="en-US" altLang="zh-TW" dirty="0"/>
+              <a:t> </a:t>
+            </a:r>
+            <a:r>
+              <a:rPr lang="zh-TW" altLang="en-US" dirty="0"/>
+              <a:t>設定與</a:t>
+            </a:r>
+            <a:r>
+              <a:rPr lang="en-US" altLang="zh-TW" dirty="0" err="1"/>
+              <a:t>vm</a:t>
+            </a:r>
+            <a:r>
+              <a:rPr lang="zh-TW" altLang="en-US" dirty="0"/>
+              <a:t>設定</a:t>
+            </a:r>
+          </a:p>
+        </p:txBody>
+      </p:sp>
+    </p:spTree>
+    <p:extLst>
+      <p:ext uri="{BB962C8B-B14F-4D97-AF65-F5344CB8AC3E}">
+        <p14:creationId xmlns:p14="http://schemas.microsoft.com/office/powerpoint/2010/main" val="1718139680"/>
+      </p:ext>
+    </p:extLst>
+  </p:cSld>
+  <p:clrMapOvr>
+    <a:masterClrMapping/>
+  </p:clrMapOvr>
+</p:sld>
+</file>
+
+<file path=ppt/slides/slide13.xml><?xml version="1.0" encoding="utf-8"?>
+<p:sld xmlns:a="http://schemas.openxmlformats.org/drawingml/2006/main" xmlns:r="http://schemas.openxmlformats.org/officeDocument/2006/relationships" xmlns:p="http://schemas.openxmlformats.org/presentationml/2006/main">
+  <p:cSld>
+    <p:spTree>
+      <p:nvGrpSpPr>
+        <p:cNvPr id="1" name=""/>
+        <p:cNvGrpSpPr/>
+        <p:nvPr/>
+      </p:nvGrpSpPr>
+      <p:grpSpPr>
+        <a:xfrm>
+          <a:off x="0" y="0"/>
+          <a:ext cx="0" cy="0"/>
+          <a:chOff x="0" y="0"/>
+          <a:chExt cx="0" cy="0"/>
+        </a:xfrm>
+      </p:grpSpPr>
+      <p:sp>
+        <p:nvSpPr>
+          <p:cNvPr id="2" name="標題 1">
+            <a:extLst>
+              <a:ext uri="{FF2B5EF4-FFF2-40B4-BE49-F238E27FC236}">
+                <a16:creationId xmlns:a16="http://schemas.microsoft.com/office/drawing/2014/main" id="{C8D9408E-755C-48AA-BEE7-DCAE7B93E92E}"/>
+              </a:ext>
+            </a:extLst>
+          </p:cNvPr>
+          <p:cNvSpPr>
+            <a:spLocks noGrp="1"/>
+          </p:cNvSpPr>
+          <p:nvPr>
+            <p:ph type="title"/>
+          </p:nvPr>
+        </p:nvSpPr>
+        <p:spPr>
+          <a:xfrm>
+            <a:off x="934948" y="372110"/>
+            <a:ext cx="10803276" cy="6398559"/>
+          </a:xfrm>
+        </p:spPr>
+        <p:txBody>
+          <a:bodyPr>
+            <a:normAutofit/>
+          </a:bodyPr>
+          <a:lstStyle/>
+          <a:p>
+            <a:r>
+              <a:rPr lang="zh-TW" altLang="en-US" dirty="0"/>
+              <a:t>預先準備</a:t>
+            </a:r>
+            <a:r>
+              <a:rPr lang="en-US" altLang="zh-TW" dirty="0"/>
+              <a:t>:</a:t>
+            </a:r>
+            <a:br>
+              <a:rPr lang="en-US" altLang="zh-TW" dirty="0"/>
+            </a:br>
+            <a:br>
+              <a:rPr lang="en-US" altLang="zh-TW" dirty="0"/>
+            </a:br>
+            <a:r>
+              <a:rPr lang="en-US" altLang="zh-TW" dirty="0"/>
+              <a:t>Google </a:t>
+            </a:r>
+            <a:r>
+              <a:rPr lang="zh-TW" altLang="en-US" dirty="0"/>
+              <a:t>帳號，並且在</a:t>
+            </a:r>
+            <a:r>
+              <a:rPr lang="en-US" altLang="zh-TW" dirty="0"/>
+              <a:t>chrome</a:t>
+            </a:r>
+            <a:r>
+              <a:rPr lang="zh-TW" altLang="en-US" dirty="0"/>
+              <a:t>中登入</a:t>
+            </a:r>
+            <a:br>
+              <a:rPr lang="en-US" altLang="zh-TW" dirty="0"/>
+            </a:br>
+            <a:br>
+              <a:rPr lang="en-US" altLang="zh-TW" dirty="0"/>
+            </a:br>
+            <a:r>
+              <a:rPr lang="zh-TW" altLang="en-US" dirty="0"/>
+              <a:t>信用卡資料，用於帳號註冊</a:t>
+            </a:r>
+            <a:br>
+              <a:rPr lang="en-US" altLang="zh-TW" dirty="0"/>
+            </a:br>
+            <a:endParaRPr lang="zh-TW" altLang="en-US" dirty="0"/>
+          </a:p>
+        </p:txBody>
+      </p:sp>
+    </p:spTree>
+    <p:extLst>
+      <p:ext uri="{BB962C8B-B14F-4D97-AF65-F5344CB8AC3E}">
+        <p14:creationId xmlns:p14="http://schemas.microsoft.com/office/powerpoint/2010/main" val="11337051"/>
+      </p:ext>
+    </p:extLst>
+  </p:cSld>
+  <p:clrMapOvr>
+    <a:masterClrMapping/>
+  </p:clrMapOvr>
+</p:sld>
+</file>
+
+<file path=ppt/slides/slide14.xml><?xml version="1.0" encoding="utf-8"?>
+<p:sld xmlns:a="http://schemas.openxmlformats.org/drawingml/2006/main" xmlns:r="http://schemas.openxmlformats.org/officeDocument/2006/relationships" xmlns:p="http://schemas.openxmlformats.org/presentationml/2006/main">
+  <p:cSld>
+    <p:spTree>
+      <p:nvGrpSpPr>
+        <p:cNvPr id="1" name=""/>
+        <p:cNvGrpSpPr/>
+        <p:nvPr/>
+      </p:nvGrpSpPr>
+      <p:grpSpPr>
+        <a:xfrm>
+          <a:off x="0" y="0"/>
+          <a:ext cx="0" cy="0"/>
+          <a:chOff x="0" y="0"/>
+          <a:chExt cx="0" cy="0"/>
+        </a:xfrm>
+      </p:grpSpPr>
+      <p:sp>
+        <p:nvSpPr>
+          <p:cNvPr id="2" name="標題 1">
+            <a:extLst>
+              <a:ext uri="{FF2B5EF4-FFF2-40B4-BE49-F238E27FC236}">
+                <a16:creationId xmlns:a16="http://schemas.microsoft.com/office/drawing/2014/main" id="{2A1BC9BD-C92A-44AC-AF48-7E2AD108EEF7}"/>
+              </a:ext>
+            </a:extLst>
+          </p:cNvPr>
+          <p:cNvSpPr>
+            <a:spLocks noGrp="1"/>
+          </p:cNvSpPr>
+          <p:nvPr>
+            <p:ph type="title"/>
+          </p:nvPr>
+        </p:nvSpPr>
+        <p:spPr/>
+        <p:txBody>
+          <a:bodyPr/>
+          <a:lstStyle/>
+          <a:p>
+            <a:r>
+              <a:rPr lang="zh-TW" altLang="en-US" dirty="0"/>
+              <a:t>註冊帳號與啟用</a:t>
+            </a:r>
+            <a:br>
+              <a:rPr lang="en-US" altLang="zh-TW" dirty="0"/>
+            </a:br>
+            <a:r>
+              <a:rPr lang="en-US" altLang="zh-TW" sz="3600" dirty="0"/>
+              <a:t>https://cloud.google.com</a:t>
+            </a:r>
+            <a:endParaRPr lang="zh-TW" altLang="en-US" sz="3600" dirty="0"/>
+          </a:p>
+        </p:txBody>
+      </p:sp>
+      <p:pic>
+        <p:nvPicPr>
+          <p:cNvPr id="4" name="圖片 3">
+            <a:extLst>
+              <a:ext uri="{FF2B5EF4-FFF2-40B4-BE49-F238E27FC236}">
+                <a16:creationId xmlns:a16="http://schemas.microsoft.com/office/drawing/2014/main" id="{1D384EC9-0DDA-49D5-84A7-C328CE2F6B74}"/>
+              </a:ext>
+            </a:extLst>
+          </p:cNvPr>
+          <p:cNvPicPr>
+            <a:picLocks noChangeAspect="1"/>
+          </p:cNvPicPr>
+          <p:nvPr/>
+        </p:nvPicPr>
+        <p:blipFill>
+          <a:blip r:embed="rId2">
+            <a:extLst>
+              <a:ext uri="{28A0092B-C50C-407E-A947-70E740481C1C}">
+                <a14:useLocalDpi xmlns:a14="http://schemas.microsoft.com/office/drawing/2010/main" val="0"/>
+              </a:ext>
+            </a:extLst>
+          </a:blip>
+          <a:stretch>
+            <a:fillRect/>
+          </a:stretch>
+        </p:blipFill>
+        <p:spPr>
+          <a:xfrm>
+            <a:off x="1348397" y="2027710"/>
+            <a:ext cx="10442967" cy="4632840"/>
+          </a:xfrm>
+          <a:prstGeom prst="rect">
+            <a:avLst/>
+          </a:prstGeom>
+        </p:spPr>
+      </p:pic>
+    </p:spTree>
+    <p:extLst>
+      <p:ext uri="{BB962C8B-B14F-4D97-AF65-F5344CB8AC3E}">
+        <p14:creationId xmlns:p14="http://schemas.microsoft.com/office/powerpoint/2010/main" val="2993185118"/>
+      </p:ext>
+    </p:extLst>
+  </p:cSld>
+  <p:clrMapOvr>
+    <a:masterClrMapping/>
+  </p:clrMapOvr>
+</p:sld>
+</file>
+
+<file path=ppt/slides/slide15.xml><?xml version="1.0" encoding="utf-8"?>
+<p:sld xmlns:a="http://schemas.openxmlformats.org/drawingml/2006/main" xmlns:r="http://schemas.openxmlformats.org/officeDocument/2006/relationships" xmlns:p="http://schemas.openxmlformats.org/presentationml/2006/main">
+  <p:cSld>
+    <p:spTree>
+      <p:nvGrpSpPr>
+        <p:cNvPr id="1" name=""/>
+        <p:cNvGrpSpPr/>
+        <p:nvPr/>
+      </p:nvGrpSpPr>
+      <p:grpSpPr>
+        <a:xfrm>
+          <a:off x="0" y="0"/>
+          <a:ext cx="0" cy="0"/>
+          <a:chOff x="0" y="0"/>
+          <a:chExt cx="0" cy="0"/>
+        </a:xfrm>
+      </p:grpSpPr>
+      <p:sp>
+        <p:nvSpPr>
+          <p:cNvPr id="2" name="標題 1">
+            <a:extLst>
+              <a:ext uri="{FF2B5EF4-FFF2-40B4-BE49-F238E27FC236}">
+                <a16:creationId xmlns:a16="http://schemas.microsoft.com/office/drawing/2014/main" id="{12A6AC73-6CB7-4629-BC08-06F6B693B35F}"/>
+              </a:ext>
+            </a:extLst>
+          </p:cNvPr>
+          <p:cNvSpPr>
+            <a:spLocks noGrp="1"/>
+          </p:cNvSpPr>
+          <p:nvPr>
+            <p:ph type="title"/>
+          </p:nvPr>
+        </p:nvSpPr>
+        <p:spPr/>
+        <p:txBody>
+          <a:bodyPr/>
+          <a:lstStyle/>
+          <a:p>
+            <a:endParaRPr lang="zh-TW" altLang="en-US"/>
+          </a:p>
+        </p:txBody>
+      </p:sp>
+      <p:pic>
+        <p:nvPicPr>
+          <p:cNvPr id="4" name="圖片 3">
+            <a:extLst>
+              <a:ext uri="{FF2B5EF4-FFF2-40B4-BE49-F238E27FC236}">
+                <a16:creationId xmlns:a16="http://schemas.microsoft.com/office/drawing/2014/main" id="{0F3A3469-D34E-4F7F-9F99-2BEE51B08E40}"/>
+              </a:ext>
+            </a:extLst>
+          </p:cNvPr>
+          <p:cNvPicPr>
+            <a:picLocks noChangeAspect="1"/>
+          </p:cNvPicPr>
+          <p:nvPr/>
+        </p:nvPicPr>
+        <p:blipFill>
+          <a:blip r:embed="rId2">
+            <a:extLst>
+              <a:ext uri="{28A0092B-C50C-407E-A947-70E740481C1C}">
+                <a14:useLocalDpi xmlns:a14="http://schemas.microsoft.com/office/drawing/2010/main" val="0"/>
+              </a:ext>
+            </a:extLst>
+          </a:blip>
+          <a:stretch>
+            <a:fillRect/>
+          </a:stretch>
+        </p:blipFill>
+        <p:spPr>
+          <a:xfrm>
+            <a:off x="984065" y="382385"/>
+            <a:ext cx="10713548" cy="5690346"/>
+          </a:xfrm>
+          <a:prstGeom prst="rect">
+            <a:avLst/>
+          </a:prstGeom>
+        </p:spPr>
+      </p:pic>
+    </p:spTree>
+    <p:extLst>
+      <p:ext uri="{BB962C8B-B14F-4D97-AF65-F5344CB8AC3E}">
+        <p14:creationId xmlns:p14="http://schemas.microsoft.com/office/powerpoint/2010/main" val="36537360"/>
+      </p:ext>
+    </p:extLst>
+  </p:cSld>
+  <p:clrMapOvr>
+    <a:masterClrMapping/>
+  </p:clrMapOvr>
+</p:sld>
+</file>
+
+<file path=ppt/slides/slide16.xml><?xml version="1.0" encoding="utf-8"?>
+<p:sld xmlns:a="http://schemas.openxmlformats.org/drawingml/2006/main" xmlns:r="http://schemas.openxmlformats.org/officeDocument/2006/relationships" xmlns:p="http://schemas.openxmlformats.org/presentationml/2006/main">
+  <p:cSld>
+    <p:spTree>
+      <p:nvGrpSpPr>
+        <p:cNvPr id="1" name=""/>
+        <p:cNvGrpSpPr/>
+        <p:nvPr/>
+      </p:nvGrpSpPr>
+      <p:grpSpPr>
+        <a:xfrm>
+          <a:off x="0" y="0"/>
+          <a:ext cx="0" cy="0"/>
+          <a:chOff x="0" y="0"/>
+          <a:chExt cx="0" cy="0"/>
+        </a:xfrm>
+      </p:grpSpPr>
+      <p:sp>
+        <p:nvSpPr>
+          <p:cNvPr id="2" name="標題 1">
+            <a:extLst>
+              <a:ext uri="{FF2B5EF4-FFF2-40B4-BE49-F238E27FC236}">
+                <a16:creationId xmlns:a16="http://schemas.microsoft.com/office/drawing/2014/main" id="{5C40C66A-2315-4F2E-AD2F-B13C4D4B84D8}"/>
+              </a:ext>
+            </a:extLst>
+          </p:cNvPr>
+          <p:cNvSpPr>
+            <a:spLocks noGrp="1"/>
+          </p:cNvSpPr>
+          <p:nvPr>
+            <p:ph type="title"/>
+          </p:nvPr>
+        </p:nvSpPr>
+        <p:spPr/>
+        <p:txBody>
+          <a:bodyPr/>
+          <a:lstStyle/>
+          <a:p>
+            <a:endParaRPr lang="zh-TW" altLang="en-US"/>
+          </a:p>
+        </p:txBody>
+      </p:sp>
+      <p:pic>
+        <p:nvPicPr>
+          <p:cNvPr id="4" name="圖片 3">
+            <a:extLst>
+              <a:ext uri="{FF2B5EF4-FFF2-40B4-BE49-F238E27FC236}">
+                <a16:creationId xmlns:a16="http://schemas.microsoft.com/office/drawing/2014/main" id="{F3A2338C-A16B-4433-B2E7-72F40CC79526}"/>
+              </a:ext>
+            </a:extLst>
+          </p:cNvPr>
+          <p:cNvPicPr>
+            <a:picLocks noChangeAspect="1"/>
+          </p:cNvPicPr>
+          <p:nvPr/>
+        </p:nvPicPr>
+        <p:blipFill>
+          <a:blip r:embed="rId2">
+            <a:extLst>
+              <a:ext uri="{28A0092B-C50C-407E-A947-70E740481C1C}">
+                <a14:useLocalDpi xmlns:a14="http://schemas.microsoft.com/office/drawing/2010/main" val="0"/>
+              </a:ext>
+            </a:extLst>
+          </a:blip>
+          <a:stretch>
+            <a:fillRect/>
+          </a:stretch>
+        </p:blipFill>
+        <p:spPr>
+          <a:xfrm>
+            <a:off x="1058238" y="681823"/>
+            <a:ext cx="10720370" cy="5662325"/>
+          </a:xfrm>
+          <a:prstGeom prst="rect">
+            <a:avLst/>
+          </a:prstGeom>
+        </p:spPr>
+      </p:pic>
+    </p:spTree>
+    <p:extLst>
+      <p:ext uri="{BB962C8B-B14F-4D97-AF65-F5344CB8AC3E}">
+        <p14:creationId xmlns:p14="http://schemas.microsoft.com/office/powerpoint/2010/main" val="3306058167"/>
+      </p:ext>
+    </p:extLst>
+  </p:cSld>
+  <p:clrMapOvr>
+    <a:masterClrMapping/>
+  </p:clrMapOvr>
+</p:sld>
+</file>
+
+<file path=ppt/slides/slide17.xml><?xml version="1.0" encoding="utf-8"?>
+<p:sld xmlns:a="http://schemas.openxmlformats.org/drawingml/2006/main" xmlns:r="http://schemas.openxmlformats.org/officeDocument/2006/relationships" xmlns:p="http://schemas.openxmlformats.org/presentationml/2006/main">
+  <p:cSld>
+    <p:spTree>
+      <p:nvGrpSpPr>
+        <p:cNvPr id="1" name=""/>
+        <p:cNvGrpSpPr/>
+        <p:nvPr/>
+      </p:nvGrpSpPr>
+      <p:grpSpPr>
+        <a:xfrm>
+          <a:off x="0" y="0"/>
+          <a:ext cx="0" cy="0"/>
+          <a:chOff x="0" y="0"/>
+          <a:chExt cx="0" cy="0"/>
+        </a:xfrm>
+      </p:grpSpPr>
+      <p:sp>
+        <p:nvSpPr>
+          <p:cNvPr id="2" name="標題 1">
+            <a:extLst>
+              <a:ext uri="{FF2B5EF4-FFF2-40B4-BE49-F238E27FC236}">
+                <a16:creationId xmlns:a16="http://schemas.microsoft.com/office/drawing/2014/main" id="{7EDDB894-2DAA-4CCB-92DC-D9F321FEBE25}"/>
+              </a:ext>
+            </a:extLst>
+          </p:cNvPr>
+          <p:cNvSpPr>
+            <a:spLocks noGrp="1"/>
+          </p:cNvSpPr>
+          <p:nvPr>
+            <p:ph type="title"/>
+          </p:nvPr>
+        </p:nvSpPr>
+        <p:spPr/>
+        <p:txBody>
+          <a:bodyPr/>
+          <a:lstStyle/>
+          <a:p>
+            <a:endParaRPr lang="zh-TW" altLang="en-US"/>
+          </a:p>
+        </p:txBody>
+      </p:sp>
+      <p:pic>
+        <p:nvPicPr>
+          <p:cNvPr id="4" name="圖片 3">
+            <a:extLst>
+              <a:ext uri="{FF2B5EF4-FFF2-40B4-BE49-F238E27FC236}">
+                <a16:creationId xmlns:a16="http://schemas.microsoft.com/office/drawing/2014/main" id="{3E7C0D96-7E64-4DDC-9C2D-BF10036C851F}"/>
+              </a:ext>
+            </a:extLst>
+          </p:cNvPr>
+          <p:cNvPicPr>
+            <a:picLocks noChangeAspect="1"/>
+          </p:cNvPicPr>
+          <p:nvPr/>
+        </p:nvPicPr>
+        <p:blipFill>
+          <a:blip r:embed="rId2">
+            <a:extLst>
+              <a:ext uri="{28A0092B-C50C-407E-A947-70E740481C1C}">
+                <a14:useLocalDpi xmlns:a14="http://schemas.microsoft.com/office/drawing/2010/main" val="0"/>
+              </a:ext>
+            </a:extLst>
+          </a:blip>
+          <a:stretch>
+            <a:fillRect/>
+          </a:stretch>
+        </p:blipFill>
+        <p:spPr>
+          <a:xfrm>
+            <a:off x="1105828" y="663014"/>
+            <a:ext cx="10324172" cy="5531972"/>
+          </a:xfrm>
+          <a:prstGeom prst="rect">
+            <a:avLst/>
+          </a:prstGeom>
+        </p:spPr>
+      </p:pic>
+    </p:spTree>
+    <p:extLst>
+      <p:ext uri="{BB962C8B-B14F-4D97-AF65-F5344CB8AC3E}">
+        <p14:creationId xmlns:p14="http://schemas.microsoft.com/office/powerpoint/2010/main" val="3466864722"/>
+      </p:ext>
+    </p:extLst>
+  </p:cSld>
+  <p:clrMapOvr>
+    <a:masterClrMapping/>
+  </p:clrMapOvr>
+</p:sld>
+</file>
+
+<file path=ppt/slides/slide18.xml><?xml version="1.0" encoding="utf-8"?>
+<p:sld xmlns:a="http://schemas.openxmlformats.org/drawingml/2006/main" xmlns:r="http://schemas.openxmlformats.org/officeDocument/2006/relationships" xmlns:p="http://schemas.openxmlformats.org/presentationml/2006/main">
+  <p:cSld>
+    <p:spTree>
+      <p:nvGrpSpPr>
+        <p:cNvPr id="1" name=""/>
+        <p:cNvGrpSpPr/>
+        <p:nvPr/>
+      </p:nvGrpSpPr>
+      <p:grpSpPr>
+        <a:xfrm>
+          <a:off x="0" y="0"/>
+          <a:ext cx="0" cy="0"/>
+          <a:chOff x="0" y="0"/>
+          <a:chExt cx="0" cy="0"/>
+        </a:xfrm>
+      </p:grpSpPr>
+      <p:sp>
+        <p:nvSpPr>
+          <p:cNvPr id="2" name="標題 1">
+            <a:extLst>
+              <a:ext uri="{FF2B5EF4-FFF2-40B4-BE49-F238E27FC236}">
                 <a16:creationId xmlns:a16="http://schemas.microsoft.com/office/drawing/2014/main" id="{6B9E55AD-B8CE-4215-A546-264EC68F9CCF}"/>
               </a:ext>
             </a:extLst>
@@ -7010,7 +7888,7 @@
 </p:sld>
 </file>
 
-<file path=ppt/slides/slide11.xml><?xml version="1.0" encoding="utf-8"?>
+<file path=ppt/slides/slide19.xml><?xml version="1.0" encoding="utf-8"?>
 <p:sld xmlns:a="http://schemas.openxmlformats.org/drawingml/2006/main" xmlns:r="http://schemas.openxmlformats.org/officeDocument/2006/relationships" xmlns:p="http://schemas.openxmlformats.org/presentationml/2006/main">
   <p:cSld>
     <p:spTree>
@@ -7092,798 +7970,6 @@
     <p:extLst>
       <p:ext uri="{BB962C8B-B14F-4D97-AF65-F5344CB8AC3E}">
         <p14:creationId xmlns:p14="http://schemas.microsoft.com/office/powerpoint/2010/main" val="4166295836"/>
-      </p:ext>
-    </p:extLst>
-  </p:cSld>
-  <p:clrMapOvr>
-    <a:masterClrMapping/>
-  </p:clrMapOvr>
-</p:sld>
-</file>
-
-<file path=ppt/slides/slide12.xml><?xml version="1.0" encoding="utf-8"?>
-<p:sld xmlns:a="http://schemas.openxmlformats.org/drawingml/2006/main" xmlns:r="http://schemas.openxmlformats.org/officeDocument/2006/relationships" xmlns:p="http://schemas.openxmlformats.org/presentationml/2006/main">
-  <p:cSld>
-    <p:spTree>
-      <p:nvGrpSpPr>
-        <p:cNvPr id="1" name=""/>
-        <p:cNvGrpSpPr/>
-        <p:nvPr/>
-      </p:nvGrpSpPr>
-      <p:grpSpPr>
-        <a:xfrm>
-          <a:off x="0" y="0"/>
-          <a:ext cx="0" cy="0"/>
-          <a:chOff x="0" y="0"/>
-          <a:chExt cx="0" cy="0"/>
-        </a:xfrm>
-      </p:grpSpPr>
-      <p:sp>
-        <p:nvSpPr>
-          <p:cNvPr id="2" name="標題 1">
-            <a:extLst>
-              <a:ext uri="{FF2B5EF4-FFF2-40B4-BE49-F238E27FC236}">
-                <a16:creationId xmlns:a16="http://schemas.microsoft.com/office/drawing/2014/main" id="{6607BD72-7426-4F03-8F9F-A032ABB7447A}"/>
-              </a:ext>
-            </a:extLst>
-          </p:cNvPr>
-          <p:cNvSpPr>
-            <a:spLocks noGrp="1"/>
-          </p:cNvSpPr>
-          <p:nvPr>
-            <p:ph type="title"/>
-          </p:nvPr>
-        </p:nvSpPr>
-        <p:spPr/>
-        <p:txBody>
-          <a:bodyPr/>
-          <a:lstStyle/>
-          <a:p>
-            <a:endParaRPr lang="zh-TW" altLang="en-US"/>
-          </a:p>
-        </p:txBody>
-      </p:sp>
-      <p:pic>
-        <p:nvPicPr>
-          <p:cNvPr id="4" name="圖片 3">
-            <a:extLst>
-              <a:ext uri="{FF2B5EF4-FFF2-40B4-BE49-F238E27FC236}">
-                <a16:creationId xmlns:a16="http://schemas.microsoft.com/office/drawing/2014/main" id="{3BEE36EF-6C70-4CDC-8F72-274A06A8B08E}"/>
-              </a:ext>
-            </a:extLst>
-          </p:cNvPr>
-          <p:cNvPicPr>
-            <a:picLocks noChangeAspect="1"/>
-          </p:cNvPicPr>
-          <p:nvPr/>
-        </p:nvPicPr>
-        <p:blipFill>
-          <a:blip r:embed="rId2">
-            <a:extLst>
-              <a:ext uri="{28A0092B-C50C-407E-A947-70E740481C1C}">
-                <a14:useLocalDpi xmlns:a14="http://schemas.microsoft.com/office/drawing/2010/main" val="0"/>
-              </a:ext>
-            </a:extLst>
-          </a:blip>
-          <a:stretch>
-            <a:fillRect/>
-          </a:stretch>
-        </p:blipFill>
-        <p:spPr>
-          <a:xfrm>
-            <a:off x="1190900" y="1043008"/>
-            <a:ext cx="10299878" cy="5432607"/>
-          </a:xfrm>
-          <a:prstGeom prst="rect">
-            <a:avLst/>
-          </a:prstGeom>
-        </p:spPr>
-      </p:pic>
-    </p:spTree>
-    <p:extLst>
-      <p:ext uri="{BB962C8B-B14F-4D97-AF65-F5344CB8AC3E}">
-        <p14:creationId xmlns:p14="http://schemas.microsoft.com/office/powerpoint/2010/main" val="1182203592"/>
-      </p:ext>
-    </p:extLst>
-  </p:cSld>
-  <p:clrMapOvr>
-    <a:masterClrMapping/>
-  </p:clrMapOvr>
-</p:sld>
-</file>
-
-<file path=ppt/slides/slide13.xml><?xml version="1.0" encoding="utf-8"?>
-<p:sld xmlns:a="http://schemas.openxmlformats.org/drawingml/2006/main" xmlns:r="http://schemas.openxmlformats.org/officeDocument/2006/relationships" xmlns:p="http://schemas.openxmlformats.org/presentationml/2006/main">
-  <p:cSld>
-    <p:spTree>
-      <p:nvGrpSpPr>
-        <p:cNvPr id="1" name=""/>
-        <p:cNvGrpSpPr/>
-        <p:nvPr/>
-      </p:nvGrpSpPr>
-      <p:grpSpPr>
-        <a:xfrm>
-          <a:off x="0" y="0"/>
-          <a:ext cx="0" cy="0"/>
-          <a:chOff x="0" y="0"/>
-          <a:chExt cx="0" cy="0"/>
-        </a:xfrm>
-      </p:grpSpPr>
-      <p:sp>
-        <p:nvSpPr>
-          <p:cNvPr id="2" name="標題 1">
-            <a:extLst>
-              <a:ext uri="{FF2B5EF4-FFF2-40B4-BE49-F238E27FC236}">
-                <a16:creationId xmlns:a16="http://schemas.microsoft.com/office/drawing/2014/main" id="{FDFCB4BC-4A69-4CDC-B1B4-721D5784B1E4}"/>
-              </a:ext>
-            </a:extLst>
-          </p:cNvPr>
-          <p:cNvSpPr>
-            <a:spLocks noGrp="1"/>
-          </p:cNvSpPr>
-          <p:nvPr>
-            <p:ph type="title"/>
-          </p:nvPr>
-        </p:nvSpPr>
-        <p:spPr/>
-        <p:txBody>
-          <a:bodyPr/>
-          <a:lstStyle/>
-          <a:p>
-            <a:endParaRPr lang="zh-TW" altLang="en-US"/>
-          </a:p>
-        </p:txBody>
-      </p:sp>
-      <p:pic>
-        <p:nvPicPr>
-          <p:cNvPr id="4" name="圖片 3">
-            <a:extLst>
-              <a:ext uri="{FF2B5EF4-FFF2-40B4-BE49-F238E27FC236}">
-                <a16:creationId xmlns:a16="http://schemas.microsoft.com/office/drawing/2014/main" id="{51C782B0-DCA3-45A4-9F9E-483AE2E666B9}"/>
-              </a:ext>
-            </a:extLst>
-          </p:cNvPr>
-          <p:cNvPicPr>
-            <a:picLocks noChangeAspect="1"/>
-          </p:cNvPicPr>
-          <p:nvPr/>
-        </p:nvPicPr>
-        <p:blipFill>
-          <a:blip r:embed="rId2">
-            <a:extLst>
-              <a:ext uri="{28A0092B-C50C-407E-A947-70E740481C1C}">
-                <a14:useLocalDpi xmlns:a14="http://schemas.microsoft.com/office/drawing/2010/main" val="0"/>
-              </a:ext>
-            </a:extLst>
-          </a:blip>
-          <a:stretch>
-            <a:fillRect/>
-          </a:stretch>
-        </p:blipFill>
-        <p:spPr>
-          <a:xfrm>
-            <a:off x="1137281" y="722099"/>
-            <a:ext cx="10407115" cy="5612703"/>
-          </a:xfrm>
-          <a:prstGeom prst="rect">
-            <a:avLst/>
-          </a:prstGeom>
-        </p:spPr>
-      </p:pic>
-    </p:spTree>
-    <p:extLst>
-      <p:ext uri="{BB962C8B-B14F-4D97-AF65-F5344CB8AC3E}">
-        <p14:creationId xmlns:p14="http://schemas.microsoft.com/office/powerpoint/2010/main" val="39430310"/>
-      </p:ext>
-    </p:extLst>
-  </p:cSld>
-  <p:clrMapOvr>
-    <a:masterClrMapping/>
-  </p:clrMapOvr>
-</p:sld>
-</file>
-
-<file path=ppt/slides/slide14.xml><?xml version="1.0" encoding="utf-8"?>
-<p:sld xmlns:a="http://schemas.openxmlformats.org/drawingml/2006/main" xmlns:r="http://schemas.openxmlformats.org/officeDocument/2006/relationships" xmlns:p="http://schemas.openxmlformats.org/presentationml/2006/main">
-  <p:cSld>
-    <p:spTree>
-      <p:nvGrpSpPr>
-        <p:cNvPr id="1" name=""/>
-        <p:cNvGrpSpPr/>
-        <p:nvPr/>
-      </p:nvGrpSpPr>
-      <p:grpSpPr>
-        <a:xfrm>
-          <a:off x="0" y="0"/>
-          <a:ext cx="0" cy="0"/>
-          <a:chOff x="0" y="0"/>
-          <a:chExt cx="0" cy="0"/>
-        </a:xfrm>
-      </p:grpSpPr>
-      <p:sp>
-        <p:nvSpPr>
-          <p:cNvPr id="2" name="標題 1">
-            <a:extLst>
-              <a:ext uri="{FF2B5EF4-FFF2-40B4-BE49-F238E27FC236}">
-                <a16:creationId xmlns:a16="http://schemas.microsoft.com/office/drawing/2014/main" id="{2FE6F216-771D-4FFA-8CCC-422EFE41255A}"/>
-              </a:ext>
-            </a:extLst>
-          </p:cNvPr>
-          <p:cNvSpPr>
-            <a:spLocks noGrp="1"/>
-          </p:cNvSpPr>
-          <p:nvPr>
-            <p:ph type="title"/>
-          </p:nvPr>
-        </p:nvSpPr>
-        <p:spPr/>
-        <p:txBody>
-          <a:bodyPr/>
-          <a:lstStyle/>
-          <a:p>
-            <a:endParaRPr lang="zh-TW" altLang="en-US"/>
-          </a:p>
-        </p:txBody>
-      </p:sp>
-      <p:pic>
-        <p:nvPicPr>
-          <p:cNvPr id="4" name="圖片 3">
-            <a:extLst>
-              <a:ext uri="{FF2B5EF4-FFF2-40B4-BE49-F238E27FC236}">
-                <a16:creationId xmlns:a16="http://schemas.microsoft.com/office/drawing/2014/main" id="{D041C09C-5753-4ADC-93B2-BEB064E57D9C}"/>
-              </a:ext>
-            </a:extLst>
-          </p:cNvPr>
-          <p:cNvPicPr>
-            <a:picLocks noChangeAspect="1"/>
-          </p:cNvPicPr>
-          <p:nvPr/>
-        </p:nvPicPr>
-        <p:blipFill>
-          <a:blip r:embed="rId2">
-            <a:extLst>
-              <a:ext uri="{28A0092B-C50C-407E-A947-70E740481C1C}">
-                <a14:useLocalDpi xmlns:a14="http://schemas.microsoft.com/office/drawing/2010/main" val="0"/>
-              </a:ext>
-            </a:extLst>
-          </a:blip>
-          <a:stretch>
-            <a:fillRect/>
-          </a:stretch>
-        </p:blipFill>
-        <p:spPr>
-          <a:xfrm>
-            <a:off x="1251677" y="1376024"/>
-            <a:ext cx="10178323" cy="5012254"/>
-          </a:xfrm>
-          <a:prstGeom prst="rect">
-            <a:avLst/>
-          </a:prstGeom>
-        </p:spPr>
-      </p:pic>
-    </p:spTree>
-    <p:extLst>
-      <p:ext uri="{BB962C8B-B14F-4D97-AF65-F5344CB8AC3E}">
-        <p14:creationId xmlns:p14="http://schemas.microsoft.com/office/powerpoint/2010/main" val="1529567876"/>
-      </p:ext>
-    </p:extLst>
-  </p:cSld>
-  <p:clrMapOvr>
-    <a:masterClrMapping/>
-  </p:clrMapOvr>
-</p:sld>
-</file>
-
-<file path=ppt/slides/slide15.xml><?xml version="1.0" encoding="utf-8"?>
-<p:sld xmlns:a="http://schemas.openxmlformats.org/drawingml/2006/main" xmlns:r="http://schemas.openxmlformats.org/officeDocument/2006/relationships" xmlns:p="http://schemas.openxmlformats.org/presentationml/2006/main">
-  <p:cSld>
-    <p:spTree>
-      <p:nvGrpSpPr>
-        <p:cNvPr id="1" name=""/>
-        <p:cNvGrpSpPr/>
-        <p:nvPr/>
-      </p:nvGrpSpPr>
-      <p:grpSpPr>
-        <a:xfrm>
-          <a:off x="0" y="0"/>
-          <a:ext cx="0" cy="0"/>
-          <a:chOff x="0" y="0"/>
-          <a:chExt cx="0" cy="0"/>
-        </a:xfrm>
-      </p:grpSpPr>
-      <p:sp>
-        <p:nvSpPr>
-          <p:cNvPr id="2" name="標題 1">
-            <a:extLst>
-              <a:ext uri="{FF2B5EF4-FFF2-40B4-BE49-F238E27FC236}">
-                <a16:creationId xmlns:a16="http://schemas.microsoft.com/office/drawing/2014/main" id="{1068DD3E-44AB-4D83-89A0-4008B5ADB97A}"/>
-              </a:ext>
-            </a:extLst>
-          </p:cNvPr>
-          <p:cNvSpPr>
-            <a:spLocks noGrp="1"/>
-          </p:cNvSpPr>
-          <p:nvPr>
-            <p:ph type="title"/>
-          </p:nvPr>
-        </p:nvSpPr>
-        <p:spPr/>
-        <p:txBody>
-          <a:bodyPr/>
-          <a:lstStyle/>
-          <a:p>
-            <a:endParaRPr lang="zh-TW" altLang="en-US"/>
-          </a:p>
-        </p:txBody>
-      </p:sp>
-      <p:pic>
-        <p:nvPicPr>
-          <p:cNvPr id="4" name="圖片 3">
-            <a:extLst>
-              <a:ext uri="{FF2B5EF4-FFF2-40B4-BE49-F238E27FC236}">
-                <a16:creationId xmlns:a16="http://schemas.microsoft.com/office/drawing/2014/main" id="{49E11D04-FD9E-4703-89B5-E8F5E785A6EA}"/>
-              </a:ext>
-            </a:extLst>
-          </p:cNvPr>
-          <p:cNvPicPr>
-            <a:picLocks noChangeAspect="1"/>
-          </p:cNvPicPr>
-          <p:nvPr/>
-        </p:nvPicPr>
-        <p:blipFill>
-          <a:blip r:embed="rId2">
-            <a:extLst>
-              <a:ext uri="{28A0092B-C50C-407E-A947-70E740481C1C}">
-                <a14:useLocalDpi xmlns:a14="http://schemas.microsoft.com/office/drawing/2010/main" val="0"/>
-              </a:ext>
-            </a:extLst>
-          </a:blip>
-          <a:stretch>
-            <a:fillRect/>
-          </a:stretch>
-        </p:blipFill>
-        <p:spPr>
-          <a:xfrm>
-            <a:off x="1251678" y="918659"/>
-            <a:ext cx="9986980" cy="5300702"/>
-          </a:xfrm>
-          <a:prstGeom prst="rect">
-            <a:avLst/>
-          </a:prstGeom>
-        </p:spPr>
-      </p:pic>
-    </p:spTree>
-    <p:extLst>
-      <p:ext uri="{BB962C8B-B14F-4D97-AF65-F5344CB8AC3E}">
-        <p14:creationId xmlns:p14="http://schemas.microsoft.com/office/powerpoint/2010/main" val="1115618982"/>
-      </p:ext>
-    </p:extLst>
-  </p:cSld>
-  <p:clrMapOvr>
-    <a:masterClrMapping/>
-  </p:clrMapOvr>
-</p:sld>
-</file>
-
-<file path=ppt/slides/slide16.xml><?xml version="1.0" encoding="utf-8"?>
-<p:sld xmlns:a="http://schemas.openxmlformats.org/drawingml/2006/main" xmlns:r="http://schemas.openxmlformats.org/officeDocument/2006/relationships" xmlns:p="http://schemas.openxmlformats.org/presentationml/2006/main">
-  <p:cSld>
-    <p:spTree>
-      <p:nvGrpSpPr>
-        <p:cNvPr id="1" name=""/>
-        <p:cNvGrpSpPr/>
-        <p:nvPr/>
-      </p:nvGrpSpPr>
-      <p:grpSpPr>
-        <a:xfrm>
-          <a:off x="0" y="0"/>
-          <a:ext cx="0" cy="0"/>
-          <a:chOff x="0" y="0"/>
-          <a:chExt cx="0" cy="0"/>
-        </a:xfrm>
-      </p:grpSpPr>
-      <p:sp>
-        <p:nvSpPr>
-          <p:cNvPr id="2" name="標題 1">
-            <a:extLst>
-              <a:ext uri="{FF2B5EF4-FFF2-40B4-BE49-F238E27FC236}">
-                <a16:creationId xmlns:a16="http://schemas.microsoft.com/office/drawing/2014/main" id="{CB68243C-A858-4A36-B74B-9F6C33675D55}"/>
-              </a:ext>
-            </a:extLst>
-          </p:cNvPr>
-          <p:cNvSpPr>
-            <a:spLocks noGrp="1"/>
-          </p:cNvSpPr>
-          <p:nvPr>
-            <p:ph type="title"/>
-          </p:nvPr>
-        </p:nvSpPr>
-        <p:spPr/>
-        <p:txBody>
-          <a:bodyPr/>
-          <a:lstStyle/>
-          <a:p>
-            <a:r>
-              <a:rPr lang="en-US" altLang="zh-TW" dirty="0"/>
-              <a:t>GCP SDK install in WIN10</a:t>
-            </a:r>
-            <a:br>
-              <a:rPr lang="en-US" altLang="zh-TW" dirty="0"/>
-            </a:br>
-            <a:r>
-              <a:rPr lang="zh-TW" altLang="en-US" dirty="0">
-                <a:hlinkClick r:id="rId2"/>
-              </a:rPr>
-              <a:t>使用</a:t>
-            </a:r>
-            <a:r>
-              <a:rPr lang="en-US" altLang="zh-TW" dirty="0">
-                <a:hlinkClick r:id="rId2"/>
-              </a:rPr>
-              <a:t>Google Cloud SDK </a:t>
-            </a:r>
-            <a:r>
-              <a:rPr lang="zh-TW" altLang="en-US" dirty="0">
-                <a:hlinkClick r:id="rId2"/>
-              </a:rPr>
-              <a:t>安裝程式</a:t>
-            </a:r>
-            <a:endParaRPr lang="zh-TW" altLang="en-US" dirty="0"/>
-          </a:p>
-        </p:txBody>
-      </p:sp>
-      <p:pic>
-        <p:nvPicPr>
-          <p:cNvPr id="4" name="圖片 3">
-            <a:extLst>
-              <a:ext uri="{FF2B5EF4-FFF2-40B4-BE49-F238E27FC236}">
-                <a16:creationId xmlns:a16="http://schemas.microsoft.com/office/drawing/2014/main" id="{8E99264D-78F6-4128-BD64-7F7275A1557C}"/>
-              </a:ext>
-            </a:extLst>
-          </p:cNvPr>
-          <p:cNvPicPr>
-            <a:picLocks noChangeAspect="1"/>
-          </p:cNvPicPr>
-          <p:nvPr/>
-        </p:nvPicPr>
-        <p:blipFill>
-          <a:blip r:embed="rId3">
-            <a:extLst>
-              <a:ext uri="{28A0092B-C50C-407E-A947-70E740481C1C}">
-                <a14:useLocalDpi xmlns:a14="http://schemas.microsoft.com/office/drawing/2010/main" val="0"/>
-              </a:ext>
-            </a:extLst>
-          </a:blip>
-          <a:stretch>
-            <a:fillRect/>
-          </a:stretch>
-        </p:blipFill>
-        <p:spPr>
-          <a:xfrm>
-            <a:off x="3527389" y="2791431"/>
-            <a:ext cx="4787900" cy="3556000"/>
-          </a:xfrm>
-          <a:prstGeom prst="rect">
-            <a:avLst/>
-          </a:prstGeom>
-        </p:spPr>
-      </p:pic>
-    </p:spTree>
-    <p:extLst>
-      <p:ext uri="{BB962C8B-B14F-4D97-AF65-F5344CB8AC3E}">
-        <p14:creationId xmlns:p14="http://schemas.microsoft.com/office/powerpoint/2010/main" val="3907219540"/>
-      </p:ext>
-    </p:extLst>
-  </p:cSld>
-  <p:clrMapOvr>
-    <a:masterClrMapping/>
-  </p:clrMapOvr>
-</p:sld>
-</file>
-
-<file path=ppt/slides/slide17.xml><?xml version="1.0" encoding="utf-8"?>
-<p:sld xmlns:a="http://schemas.openxmlformats.org/drawingml/2006/main" xmlns:r="http://schemas.openxmlformats.org/officeDocument/2006/relationships" xmlns:p="http://schemas.openxmlformats.org/presentationml/2006/main">
-  <p:cSld>
-    <p:spTree>
-      <p:nvGrpSpPr>
-        <p:cNvPr id="1" name=""/>
-        <p:cNvGrpSpPr/>
-        <p:nvPr/>
-      </p:nvGrpSpPr>
-      <p:grpSpPr>
-        <a:xfrm>
-          <a:off x="0" y="0"/>
-          <a:ext cx="0" cy="0"/>
-          <a:chOff x="0" y="0"/>
-          <a:chExt cx="0" cy="0"/>
-        </a:xfrm>
-      </p:grpSpPr>
-      <p:sp>
-        <p:nvSpPr>
-          <p:cNvPr id="2" name="標題 1">
-            <a:extLst>
-              <a:ext uri="{FF2B5EF4-FFF2-40B4-BE49-F238E27FC236}">
-                <a16:creationId xmlns:a16="http://schemas.microsoft.com/office/drawing/2014/main" id="{BF3D4242-D7F0-4061-BA8A-04CF9BDAC8BB}"/>
-              </a:ext>
-            </a:extLst>
-          </p:cNvPr>
-          <p:cNvSpPr>
-            <a:spLocks noGrp="1"/>
-          </p:cNvSpPr>
-          <p:nvPr>
-            <p:ph type="title"/>
-          </p:nvPr>
-        </p:nvSpPr>
-        <p:spPr/>
-        <p:txBody>
-          <a:bodyPr/>
-          <a:lstStyle/>
-          <a:p>
-            <a:endParaRPr lang="zh-TW" altLang="en-US"/>
-          </a:p>
-        </p:txBody>
-      </p:sp>
-      <p:pic>
-        <p:nvPicPr>
-          <p:cNvPr id="4" name="圖片 3">
-            <a:extLst>
-              <a:ext uri="{FF2B5EF4-FFF2-40B4-BE49-F238E27FC236}">
-                <a16:creationId xmlns:a16="http://schemas.microsoft.com/office/drawing/2014/main" id="{61B880BC-134D-4755-9D38-13DFA9C83B55}"/>
-              </a:ext>
-            </a:extLst>
-          </p:cNvPr>
-          <p:cNvPicPr>
-            <a:picLocks noChangeAspect="1"/>
-          </p:cNvPicPr>
-          <p:nvPr/>
-        </p:nvPicPr>
-        <p:blipFill>
-          <a:blip r:embed="rId2">
-            <a:extLst>
-              <a:ext uri="{28A0092B-C50C-407E-A947-70E740481C1C}">
-                <a14:useLocalDpi xmlns:a14="http://schemas.microsoft.com/office/drawing/2010/main" val="0"/>
-              </a:ext>
-            </a:extLst>
-          </a:blip>
-          <a:stretch>
-            <a:fillRect/>
-          </a:stretch>
-        </p:blipFill>
-        <p:spPr>
-          <a:xfrm>
-            <a:off x="1422399" y="965200"/>
-            <a:ext cx="10076959" cy="5312310"/>
-          </a:xfrm>
-          <a:prstGeom prst="rect">
-            <a:avLst/>
-          </a:prstGeom>
-        </p:spPr>
-      </p:pic>
-    </p:spTree>
-    <p:extLst>
-      <p:ext uri="{BB962C8B-B14F-4D97-AF65-F5344CB8AC3E}">
-        <p14:creationId xmlns:p14="http://schemas.microsoft.com/office/powerpoint/2010/main" val="923504723"/>
-      </p:ext>
-    </p:extLst>
-  </p:cSld>
-  <p:clrMapOvr>
-    <a:masterClrMapping/>
-  </p:clrMapOvr>
-</p:sld>
-</file>
-
-<file path=ppt/slides/slide18.xml><?xml version="1.0" encoding="utf-8"?>
-<p:sld xmlns:a="http://schemas.openxmlformats.org/drawingml/2006/main" xmlns:r="http://schemas.openxmlformats.org/officeDocument/2006/relationships" xmlns:p="http://schemas.openxmlformats.org/presentationml/2006/main">
-  <p:cSld>
-    <p:spTree>
-      <p:nvGrpSpPr>
-        <p:cNvPr id="1" name=""/>
-        <p:cNvGrpSpPr/>
-        <p:nvPr/>
-      </p:nvGrpSpPr>
-      <p:grpSpPr>
-        <a:xfrm>
-          <a:off x="0" y="0"/>
-          <a:ext cx="0" cy="0"/>
-          <a:chOff x="0" y="0"/>
-          <a:chExt cx="0" cy="0"/>
-        </a:xfrm>
-      </p:grpSpPr>
-      <p:sp>
-        <p:nvSpPr>
-          <p:cNvPr id="2" name="標題 1">
-            <a:extLst>
-              <a:ext uri="{FF2B5EF4-FFF2-40B4-BE49-F238E27FC236}">
-                <a16:creationId xmlns:a16="http://schemas.microsoft.com/office/drawing/2014/main" id="{1294C6BB-D4EF-4C32-97CE-CB1321D53DB8}"/>
-              </a:ext>
-            </a:extLst>
-          </p:cNvPr>
-          <p:cNvSpPr>
-            <a:spLocks noGrp="1"/>
-          </p:cNvSpPr>
-          <p:nvPr>
-            <p:ph type="title"/>
-          </p:nvPr>
-        </p:nvSpPr>
-        <p:spPr/>
-        <p:txBody>
-          <a:bodyPr>
-            <a:normAutofit/>
-          </a:bodyPr>
-          <a:lstStyle/>
-          <a:p>
-            <a:r>
-              <a:rPr lang="zh-TW" altLang="en-US" sz="4400" dirty="0"/>
-              <a:t>選擇使用</a:t>
-            </a:r>
-            <a:r>
-              <a:rPr lang="en-US" altLang="zh-TW" sz="4400" dirty="0"/>
-              <a:t>Google Cloud SDK </a:t>
-            </a:r>
-            <a:r>
-              <a:rPr lang="zh-TW" altLang="en-US" sz="4400" dirty="0"/>
-              <a:t>的</a:t>
-            </a:r>
-            <a:br>
-              <a:rPr lang="en-US" altLang="zh-TW" sz="4400" dirty="0"/>
-            </a:br>
-            <a:r>
-              <a:rPr lang="zh-TW" altLang="en-US" sz="4400" dirty="0"/>
-              <a:t> </a:t>
-            </a:r>
-            <a:r>
-              <a:rPr lang="en-US" altLang="zh-TW" sz="4400" dirty="0"/>
-              <a:t>Google </a:t>
-            </a:r>
-            <a:r>
-              <a:rPr lang="zh-TW" altLang="en-US" sz="4400" dirty="0"/>
-              <a:t>帳號</a:t>
-            </a:r>
-          </a:p>
-        </p:txBody>
-      </p:sp>
-      <p:pic>
-        <p:nvPicPr>
-          <p:cNvPr id="4" name="圖片 3">
-            <a:extLst>
-              <a:ext uri="{FF2B5EF4-FFF2-40B4-BE49-F238E27FC236}">
-                <a16:creationId xmlns:a16="http://schemas.microsoft.com/office/drawing/2014/main" id="{BE67513A-B185-48CD-A3B6-CF5D4B70DAF5}"/>
-              </a:ext>
-            </a:extLst>
-          </p:cNvPr>
-          <p:cNvPicPr>
-            <a:picLocks noChangeAspect="1"/>
-          </p:cNvPicPr>
-          <p:nvPr/>
-        </p:nvPicPr>
-        <p:blipFill>
-          <a:blip r:embed="rId2">
-            <a:extLst>
-              <a:ext uri="{28A0092B-C50C-407E-A947-70E740481C1C}">
-                <a14:useLocalDpi xmlns:a14="http://schemas.microsoft.com/office/drawing/2010/main" val="0"/>
-              </a:ext>
-            </a:extLst>
-          </a:blip>
-          <a:stretch>
-            <a:fillRect/>
-          </a:stretch>
-        </p:blipFill>
-        <p:spPr>
-          <a:xfrm>
-            <a:off x="4993240" y="1273170"/>
-            <a:ext cx="3811713" cy="5202445"/>
-          </a:xfrm>
-          <a:prstGeom prst="rect">
-            <a:avLst/>
-          </a:prstGeom>
-        </p:spPr>
-      </p:pic>
-    </p:spTree>
-    <p:extLst>
-      <p:ext uri="{BB962C8B-B14F-4D97-AF65-F5344CB8AC3E}">
-        <p14:creationId xmlns:p14="http://schemas.microsoft.com/office/powerpoint/2010/main" val="1088155068"/>
-      </p:ext>
-    </p:extLst>
-  </p:cSld>
-  <p:clrMapOvr>
-    <a:masterClrMapping/>
-  </p:clrMapOvr>
-</p:sld>
-</file>
-
-<file path=ppt/slides/slide19.xml><?xml version="1.0" encoding="utf-8"?>
-<p:sld xmlns:a="http://schemas.openxmlformats.org/drawingml/2006/main" xmlns:r="http://schemas.openxmlformats.org/officeDocument/2006/relationships" xmlns:p="http://schemas.openxmlformats.org/presentationml/2006/main">
-  <p:cSld>
-    <p:spTree>
-      <p:nvGrpSpPr>
-        <p:cNvPr id="1" name=""/>
-        <p:cNvGrpSpPr/>
-        <p:nvPr/>
-      </p:nvGrpSpPr>
-      <p:grpSpPr>
-        <a:xfrm>
-          <a:off x="0" y="0"/>
-          <a:ext cx="0" cy="0"/>
-          <a:chOff x="0" y="0"/>
-          <a:chExt cx="0" cy="0"/>
-        </a:xfrm>
-      </p:grpSpPr>
-      <p:sp>
-        <p:nvSpPr>
-          <p:cNvPr id="2" name="標題 1">
-            <a:extLst>
-              <a:ext uri="{FF2B5EF4-FFF2-40B4-BE49-F238E27FC236}">
-                <a16:creationId xmlns:a16="http://schemas.microsoft.com/office/drawing/2014/main" id="{02646254-CFD3-40A5-A141-106687B0BB2F}"/>
-              </a:ext>
-            </a:extLst>
-          </p:cNvPr>
-          <p:cNvSpPr>
-            <a:spLocks noGrp="1"/>
-          </p:cNvSpPr>
-          <p:nvPr>
-            <p:ph type="title"/>
-          </p:nvPr>
-        </p:nvSpPr>
-        <p:spPr/>
-        <p:txBody>
-          <a:bodyPr/>
-          <a:lstStyle/>
-          <a:p>
-            <a:r>
-              <a:rPr lang="zh-TW" altLang="en-US" dirty="0"/>
-              <a:t>選擇 </a:t>
-            </a:r>
-            <a:r>
-              <a:rPr lang="en-US" altLang="zh-TW" dirty="0"/>
-              <a:t>10 </a:t>
-            </a:r>
-            <a:r>
-              <a:rPr lang="zh-TW" altLang="en-US" dirty="0"/>
-              <a:t>建立新專案</a:t>
-            </a:r>
-          </a:p>
-        </p:txBody>
-      </p:sp>
-      <p:pic>
-        <p:nvPicPr>
-          <p:cNvPr id="4" name="圖片 3">
-            <a:extLst>
-              <a:ext uri="{FF2B5EF4-FFF2-40B4-BE49-F238E27FC236}">
-                <a16:creationId xmlns:a16="http://schemas.microsoft.com/office/drawing/2014/main" id="{8321A949-C09B-4A3A-96C2-12D6D1BEA316}"/>
-              </a:ext>
-            </a:extLst>
-          </p:cNvPr>
-          <p:cNvPicPr>
-            <a:picLocks noChangeAspect="1"/>
-          </p:cNvPicPr>
-          <p:nvPr/>
-        </p:nvPicPr>
-        <p:blipFill>
-          <a:blip r:embed="rId2">
-            <a:extLst>
-              <a:ext uri="{28A0092B-C50C-407E-A947-70E740481C1C}">
-                <a14:useLocalDpi xmlns:a14="http://schemas.microsoft.com/office/drawing/2010/main" val="0"/>
-              </a:ext>
-            </a:extLst>
-          </a:blip>
-          <a:stretch>
-            <a:fillRect/>
-          </a:stretch>
-        </p:blipFill>
-        <p:spPr>
-          <a:xfrm>
-            <a:off x="1409700" y="1874517"/>
-            <a:ext cx="9372600" cy="4864100"/>
-          </a:xfrm>
-          <a:prstGeom prst="rect">
-            <a:avLst/>
-          </a:prstGeom>
-        </p:spPr>
-      </p:pic>
-    </p:spTree>
-    <p:extLst>
-      <p:ext uri="{BB962C8B-B14F-4D97-AF65-F5344CB8AC3E}">
-        <p14:creationId xmlns:p14="http://schemas.microsoft.com/office/powerpoint/2010/main" val="1833550143"/>
       </p:ext>
     </p:extLst>
   </p:cSld>
@@ -8216,6 +8302,798 @@
           <p:cNvPr id="2" name="標題 1">
             <a:extLst>
               <a:ext uri="{FF2B5EF4-FFF2-40B4-BE49-F238E27FC236}">
+                <a16:creationId xmlns:a16="http://schemas.microsoft.com/office/drawing/2014/main" id="{6607BD72-7426-4F03-8F9F-A032ABB7447A}"/>
+              </a:ext>
+            </a:extLst>
+          </p:cNvPr>
+          <p:cNvSpPr>
+            <a:spLocks noGrp="1"/>
+          </p:cNvSpPr>
+          <p:nvPr>
+            <p:ph type="title"/>
+          </p:nvPr>
+        </p:nvSpPr>
+        <p:spPr/>
+        <p:txBody>
+          <a:bodyPr/>
+          <a:lstStyle/>
+          <a:p>
+            <a:endParaRPr lang="zh-TW" altLang="en-US"/>
+          </a:p>
+        </p:txBody>
+      </p:sp>
+      <p:pic>
+        <p:nvPicPr>
+          <p:cNvPr id="4" name="圖片 3">
+            <a:extLst>
+              <a:ext uri="{FF2B5EF4-FFF2-40B4-BE49-F238E27FC236}">
+                <a16:creationId xmlns:a16="http://schemas.microsoft.com/office/drawing/2014/main" id="{3BEE36EF-6C70-4CDC-8F72-274A06A8B08E}"/>
+              </a:ext>
+            </a:extLst>
+          </p:cNvPr>
+          <p:cNvPicPr>
+            <a:picLocks noChangeAspect="1"/>
+          </p:cNvPicPr>
+          <p:nvPr/>
+        </p:nvPicPr>
+        <p:blipFill>
+          <a:blip r:embed="rId2">
+            <a:extLst>
+              <a:ext uri="{28A0092B-C50C-407E-A947-70E740481C1C}">
+                <a14:useLocalDpi xmlns:a14="http://schemas.microsoft.com/office/drawing/2010/main" val="0"/>
+              </a:ext>
+            </a:extLst>
+          </a:blip>
+          <a:stretch>
+            <a:fillRect/>
+          </a:stretch>
+        </p:blipFill>
+        <p:spPr>
+          <a:xfrm>
+            <a:off x="1190900" y="1043008"/>
+            <a:ext cx="10299878" cy="5432607"/>
+          </a:xfrm>
+          <a:prstGeom prst="rect">
+            <a:avLst/>
+          </a:prstGeom>
+        </p:spPr>
+      </p:pic>
+    </p:spTree>
+    <p:extLst>
+      <p:ext uri="{BB962C8B-B14F-4D97-AF65-F5344CB8AC3E}">
+        <p14:creationId xmlns:p14="http://schemas.microsoft.com/office/powerpoint/2010/main" val="1182203592"/>
+      </p:ext>
+    </p:extLst>
+  </p:cSld>
+  <p:clrMapOvr>
+    <a:masterClrMapping/>
+  </p:clrMapOvr>
+</p:sld>
+</file>
+
+<file path=ppt/slides/slide21.xml><?xml version="1.0" encoding="utf-8"?>
+<p:sld xmlns:a="http://schemas.openxmlformats.org/drawingml/2006/main" xmlns:r="http://schemas.openxmlformats.org/officeDocument/2006/relationships" xmlns:p="http://schemas.openxmlformats.org/presentationml/2006/main">
+  <p:cSld>
+    <p:spTree>
+      <p:nvGrpSpPr>
+        <p:cNvPr id="1" name=""/>
+        <p:cNvGrpSpPr/>
+        <p:nvPr/>
+      </p:nvGrpSpPr>
+      <p:grpSpPr>
+        <a:xfrm>
+          <a:off x="0" y="0"/>
+          <a:ext cx="0" cy="0"/>
+          <a:chOff x="0" y="0"/>
+          <a:chExt cx="0" cy="0"/>
+        </a:xfrm>
+      </p:grpSpPr>
+      <p:sp>
+        <p:nvSpPr>
+          <p:cNvPr id="2" name="標題 1">
+            <a:extLst>
+              <a:ext uri="{FF2B5EF4-FFF2-40B4-BE49-F238E27FC236}">
+                <a16:creationId xmlns:a16="http://schemas.microsoft.com/office/drawing/2014/main" id="{FDFCB4BC-4A69-4CDC-B1B4-721D5784B1E4}"/>
+              </a:ext>
+            </a:extLst>
+          </p:cNvPr>
+          <p:cNvSpPr>
+            <a:spLocks noGrp="1"/>
+          </p:cNvSpPr>
+          <p:nvPr>
+            <p:ph type="title"/>
+          </p:nvPr>
+        </p:nvSpPr>
+        <p:spPr/>
+        <p:txBody>
+          <a:bodyPr/>
+          <a:lstStyle/>
+          <a:p>
+            <a:endParaRPr lang="zh-TW" altLang="en-US"/>
+          </a:p>
+        </p:txBody>
+      </p:sp>
+      <p:pic>
+        <p:nvPicPr>
+          <p:cNvPr id="4" name="圖片 3">
+            <a:extLst>
+              <a:ext uri="{FF2B5EF4-FFF2-40B4-BE49-F238E27FC236}">
+                <a16:creationId xmlns:a16="http://schemas.microsoft.com/office/drawing/2014/main" id="{51C782B0-DCA3-45A4-9F9E-483AE2E666B9}"/>
+              </a:ext>
+            </a:extLst>
+          </p:cNvPr>
+          <p:cNvPicPr>
+            <a:picLocks noChangeAspect="1"/>
+          </p:cNvPicPr>
+          <p:nvPr/>
+        </p:nvPicPr>
+        <p:blipFill>
+          <a:blip r:embed="rId2">
+            <a:extLst>
+              <a:ext uri="{28A0092B-C50C-407E-A947-70E740481C1C}">
+                <a14:useLocalDpi xmlns:a14="http://schemas.microsoft.com/office/drawing/2010/main" val="0"/>
+              </a:ext>
+            </a:extLst>
+          </a:blip>
+          <a:stretch>
+            <a:fillRect/>
+          </a:stretch>
+        </p:blipFill>
+        <p:spPr>
+          <a:xfrm>
+            <a:off x="1137281" y="722099"/>
+            <a:ext cx="10407115" cy="5612703"/>
+          </a:xfrm>
+          <a:prstGeom prst="rect">
+            <a:avLst/>
+          </a:prstGeom>
+        </p:spPr>
+      </p:pic>
+    </p:spTree>
+    <p:extLst>
+      <p:ext uri="{BB962C8B-B14F-4D97-AF65-F5344CB8AC3E}">
+        <p14:creationId xmlns:p14="http://schemas.microsoft.com/office/powerpoint/2010/main" val="39430310"/>
+      </p:ext>
+    </p:extLst>
+  </p:cSld>
+  <p:clrMapOvr>
+    <a:masterClrMapping/>
+  </p:clrMapOvr>
+</p:sld>
+</file>
+
+<file path=ppt/slides/slide22.xml><?xml version="1.0" encoding="utf-8"?>
+<p:sld xmlns:a="http://schemas.openxmlformats.org/drawingml/2006/main" xmlns:r="http://schemas.openxmlformats.org/officeDocument/2006/relationships" xmlns:p="http://schemas.openxmlformats.org/presentationml/2006/main">
+  <p:cSld>
+    <p:spTree>
+      <p:nvGrpSpPr>
+        <p:cNvPr id="1" name=""/>
+        <p:cNvGrpSpPr/>
+        <p:nvPr/>
+      </p:nvGrpSpPr>
+      <p:grpSpPr>
+        <a:xfrm>
+          <a:off x="0" y="0"/>
+          <a:ext cx="0" cy="0"/>
+          <a:chOff x="0" y="0"/>
+          <a:chExt cx="0" cy="0"/>
+        </a:xfrm>
+      </p:grpSpPr>
+      <p:sp>
+        <p:nvSpPr>
+          <p:cNvPr id="2" name="標題 1">
+            <a:extLst>
+              <a:ext uri="{FF2B5EF4-FFF2-40B4-BE49-F238E27FC236}">
+                <a16:creationId xmlns:a16="http://schemas.microsoft.com/office/drawing/2014/main" id="{2FE6F216-771D-4FFA-8CCC-422EFE41255A}"/>
+              </a:ext>
+            </a:extLst>
+          </p:cNvPr>
+          <p:cNvSpPr>
+            <a:spLocks noGrp="1"/>
+          </p:cNvSpPr>
+          <p:nvPr>
+            <p:ph type="title"/>
+          </p:nvPr>
+        </p:nvSpPr>
+        <p:spPr/>
+        <p:txBody>
+          <a:bodyPr/>
+          <a:lstStyle/>
+          <a:p>
+            <a:endParaRPr lang="zh-TW" altLang="en-US"/>
+          </a:p>
+        </p:txBody>
+      </p:sp>
+      <p:pic>
+        <p:nvPicPr>
+          <p:cNvPr id="4" name="圖片 3">
+            <a:extLst>
+              <a:ext uri="{FF2B5EF4-FFF2-40B4-BE49-F238E27FC236}">
+                <a16:creationId xmlns:a16="http://schemas.microsoft.com/office/drawing/2014/main" id="{D041C09C-5753-4ADC-93B2-BEB064E57D9C}"/>
+              </a:ext>
+            </a:extLst>
+          </p:cNvPr>
+          <p:cNvPicPr>
+            <a:picLocks noChangeAspect="1"/>
+          </p:cNvPicPr>
+          <p:nvPr/>
+        </p:nvPicPr>
+        <p:blipFill>
+          <a:blip r:embed="rId2">
+            <a:extLst>
+              <a:ext uri="{28A0092B-C50C-407E-A947-70E740481C1C}">
+                <a14:useLocalDpi xmlns:a14="http://schemas.microsoft.com/office/drawing/2010/main" val="0"/>
+              </a:ext>
+            </a:extLst>
+          </a:blip>
+          <a:stretch>
+            <a:fillRect/>
+          </a:stretch>
+        </p:blipFill>
+        <p:spPr>
+          <a:xfrm>
+            <a:off x="1251677" y="1376024"/>
+            <a:ext cx="10178323" cy="5012254"/>
+          </a:xfrm>
+          <a:prstGeom prst="rect">
+            <a:avLst/>
+          </a:prstGeom>
+        </p:spPr>
+      </p:pic>
+    </p:spTree>
+    <p:extLst>
+      <p:ext uri="{BB962C8B-B14F-4D97-AF65-F5344CB8AC3E}">
+        <p14:creationId xmlns:p14="http://schemas.microsoft.com/office/powerpoint/2010/main" val="1529567876"/>
+      </p:ext>
+    </p:extLst>
+  </p:cSld>
+  <p:clrMapOvr>
+    <a:masterClrMapping/>
+  </p:clrMapOvr>
+</p:sld>
+</file>
+
+<file path=ppt/slides/slide23.xml><?xml version="1.0" encoding="utf-8"?>
+<p:sld xmlns:a="http://schemas.openxmlformats.org/drawingml/2006/main" xmlns:r="http://schemas.openxmlformats.org/officeDocument/2006/relationships" xmlns:p="http://schemas.openxmlformats.org/presentationml/2006/main">
+  <p:cSld>
+    <p:spTree>
+      <p:nvGrpSpPr>
+        <p:cNvPr id="1" name=""/>
+        <p:cNvGrpSpPr/>
+        <p:nvPr/>
+      </p:nvGrpSpPr>
+      <p:grpSpPr>
+        <a:xfrm>
+          <a:off x="0" y="0"/>
+          <a:ext cx="0" cy="0"/>
+          <a:chOff x="0" y="0"/>
+          <a:chExt cx="0" cy="0"/>
+        </a:xfrm>
+      </p:grpSpPr>
+      <p:sp>
+        <p:nvSpPr>
+          <p:cNvPr id="2" name="標題 1">
+            <a:extLst>
+              <a:ext uri="{FF2B5EF4-FFF2-40B4-BE49-F238E27FC236}">
+                <a16:creationId xmlns:a16="http://schemas.microsoft.com/office/drawing/2014/main" id="{1068DD3E-44AB-4D83-89A0-4008B5ADB97A}"/>
+              </a:ext>
+            </a:extLst>
+          </p:cNvPr>
+          <p:cNvSpPr>
+            <a:spLocks noGrp="1"/>
+          </p:cNvSpPr>
+          <p:nvPr>
+            <p:ph type="title"/>
+          </p:nvPr>
+        </p:nvSpPr>
+        <p:spPr/>
+        <p:txBody>
+          <a:bodyPr/>
+          <a:lstStyle/>
+          <a:p>
+            <a:endParaRPr lang="zh-TW" altLang="en-US"/>
+          </a:p>
+        </p:txBody>
+      </p:sp>
+      <p:pic>
+        <p:nvPicPr>
+          <p:cNvPr id="4" name="圖片 3">
+            <a:extLst>
+              <a:ext uri="{FF2B5EF4-FFF2-40B4-BE49-F238E27FC236}">
+                <a16:creationId xmlns:a16="http://schemas.microsoft.com/office/drawing/2014/main" id="{49E11D04-FD9E-4703-89B5-E8F5E785A6EA}"/>
+              </a:ext>
+            </a:extLst>
+          </p:cNvPr>
+          <p:cNvPicPr>
+            <a:picLocks noChangeAspect="1"/>
+          </p:cNvPicPr>
+          <p:nvPr/>
+        </p:nvPicPr>
+        <p:blipFill>
+          <a:blip r:embed="rId2">
+            <a:extLst>
+              <a:ext uri="{28A0092B-C50C-407E-A947-70E740481C1C}">
+                <a14:useLocalDpi xmlns:a14="http://schemas.microsoft.com/office/drawing/2010/main" val="0"/>
+              </a:ext>
+            </a:extLst>
+          </a:blip>
+          <a:stretch>
+            <a:fillRect/>
+          </a:stretch>
+        </p:blipFill>
+        <p:spPr>
+          <a:xfrm>
+            <a:off x="1251678" y="918659"/>
+            <a:ext cx="9986980" cy="5300702"/>
+          </a:xfrm>
+          <a:prstGeom prst="rect">
+            <a:avLst/>
+          </a:prstGeom>
+        </p:spPr>
+      </p:pic>
+    </p:spTree>
+    <p:extLst>
+      <p:ext uri="{BB962C8B-B14F-4D97-AF65-F5344CB8AC3E}">
+        <p14:creationId xmlns:p14="http://schemas.microsoft.com/office/powerpoint/2010/main" val="1115618982"/>
+      </p:ext>
+    </p:extLst>
+  </p:cSld>
+  <p:clrMapOvr>
+    <a:masterClrMapping/>
+  </p:clrMapOvr>
+</p:sld>
+</file>
+
+<file path=ppt/slides/slide24.xml><?xml version="1.0" encoding="utf-8"?>
+<p:sld xmlns:a="http://schemas.openxmlformats.org/drawingml/2006/main" xmlns:r="http://schemas.openxmlformats.org/officeDocument/2006/relationships" xmlns:p="http://schemas.openxmlformats.org/presentationml/2006/main">
+  <p:cSld>
+    <p:spTree>
+      <p:nvGrpSpPr>
+        <p:cNvPr id="1" name=""/>
+        <p:cNvGrpSpPr/>
+        <p:nvPr/>
+      </p:nvGrpSpPr>
+      <p:grpSpPr>
+        <a:xfrm>
+          <a:off x="0" y="0"/>
+          <a:ext cx="0" cy="0"/>
+          <a:chOff x="0" y="0"/>
+          <a:chExt cx="0" cy="0"/>
+        </a:xfrm>
+      </p:grpSpPr>
+      <p:sp>
+        <p:nvSpPr>
+          <p:cNvPr id="2" name="標題 1">
+            <a:extLst>
+              <a:ext uri="{FF2B5EF4-FFF2-40B4-BE49-F238E27FC236}">
+                <a16:creationId xmlns:a16="http://schemas.microsoft.com/office/drawing/2014/main" id="{CB68243C-A858-4A36-B74B-9F6C33675D55}"/>
+              </a:ext>
+            </a:extLst>
+          </p:cNvPr>
+          <p:cNvSpPr>
+            <a:spLocks noGrp="1"/>
+          </p:cNvSpPr>
+          <p:nvPr>
+            <p:ph type="title"/>
+          </p:nvPr>
+        </p:nvSpPr>
+        <p:spPr/>
+        <p:txBody>
+          <a:bodyPr/>
+          <a:lstStyle/>
+          <a:p>
+            <a:r>
+              <a:rPr lang="en-US" altLang="zh-TW" dirty="0"/>
+              <a:t>GCP SDK install in WIN10</a:t>
+            </a:r>
+            <a:br>
+              <a:rPr lang="en-US" altLang="zh-TW" dirty="0"/>
+            </a:br>
+            <a:r>
+              <a:rPr lang="zh-TW" altLang="en-US" dirty="0">
+                <a:hlinkClick r:id="rId2"/>
+              </a:rPr>
+              <a:t>使用</a:t>
+            </a:r>
+            <a:r>
+              <a:rPr lang="en-US" altLang="zh-TW" dirty="0">
+                <a:hlinkClick r:id="rId2"/>
+              </a:rPr>
+              <a:t>Google Cloud SDK </a:t>
+            </a:r>
+            <a:r>
+              <a:rPr lang="zh-TW" altLang="en-US" dirty="0">
+                <a:hlinkClick r:id="rId2"/>
+              </a:rPr>
+              <a:t>安裝程式</a:t>
+            </a:r>
+            <a:endParaRPr lang="zh-TW" altLang="en-US" dirty="0"/>
+          </a:p>
+        </p:txBody>
+      </p:sp>
+      <p:pic>
+        <p:nvPicPr>
+          <p:cNvPr id="4" name="圖片 3">
+            <a:extLst>
+              <a:ext uri="{FF2B5EF4-FFF2-40B4-BE49-F238E27FC236}">
+                <a16:creationId xmlns:a16="http://schemas.microsoft.com/office/drawing/2014/main" id="{8E99264D-78F6-4128-BD64-7F7275A1557C}"/>
+              </a:ext>
+            </a:extLst>
+          </p:cNvPr>
+          <p:cNvPicPr>
+            <a:picLocks noChangeAspect="1"/>
+          </p:cNvPicPr>
+          <p:nvPr/>
+        </p:nvPicPr>
+        <p:blipFill>
+          <a:blip r:embed="rId3">
+            <a:extLst>
+              <a:ext uri="{28A0092B-C50C-407E-A947-70E740481C1C}">
+                <a14:useLocalDpi xmlns:a14="http://schemas.microsoft.com/office/drawing/2010/main" val="0"/>
+              </a:ext>
+            </a:extLst>
+          </a:blip>
+          <a:stretch>
+            <a:fillRect/>
+          </a:stretch>
+        </p:blipFill>
+        <p:spPr>
+          <a:xfrm>
+            <a:off x="3527389" y="2791431"/>
+            <a:ext cx="4787900" cy="3556000"/>
+          </a:xfrm>
+          <a:prstGeom prst="rect">
+            <a:avLst/>
+          </a:prstGeom>
+        </p:spPr>
+      </p:pic>
+    </p:spTree>
+    <p:extLst>
+      <p:ext uri="{BB962C8B-B14F-4D97-AF65-F5344CB8AC3E}">
+        <p14:creationId xmlns:p14="http://schemas.microsoft.com/office/powerpoint/2010/main" val="3907219540"/>
+      </p:ext>
+    </p:extLst>
+  </p:cSld>
+  <p:clrMapOvr>
+    <a:masterClrMapping/>
+  </p:clrMapOvr>
+</p:sld>
+</file>
+
+<file path=ppt/slides/slide25.xml><?xml version="1.0" encoding="utf-8"?>
+<p:sld xmlns:a="http://schemas.openxmlformats.org/drawingml/2006/main" xmlns:r="http://schemas.openxmlformats.org/officeDocument/2006/relationships" xmlns:p="http://schemas.openxmlformats.org/presentationml/2006/main">
+  <p:cSld>
+    <p:spTree>
+      <p:nvGrpSpPr>
+        <p:cNvPr id="1" name=""/>
+        <p:cNvGrpSpPr/>
+        <p:nvPr/>
+      </p:nvGrpSpPr>
+      <p:grpSpPr>
+        <a:xfrm>
+          <a:off x="0" y="0"/>
+          <a:ext cx="0" cy="0"/>
+          <a:chOff x="0" y="0"/>
+          <a:chExt cx="0" cy="0"/>
+        </a:xfrm>
+      </p:grpSpPr>
+      <p:sp>
+        <p:nvSpPr>
+          <p:cNvPr id="2" name="標題 1">
+            <a:extLst>
+              <a:ext uri="{FF2B5EF4-FFF2-40B4-BE49-F238E27FC236}">
+                <a16:creationId xmlns:a16="http://schemas.microsoft.com/office/drawing/2014/main" id="{BF3D4242-D7F0-4061-BA8A-04CF9BDAC8BB}"/>
+              </a:ext>
+            </a:extLst>
+          </p:cNvPr>
+          <p:cNvSpPr>
+            <a:spLocks noGrp="1"/>
+          </p:cNvSpPr>
+          <p:nvPr>
+            <p:ph type="title"/>
+          </p:nvPr>
+        </p:nvSpPr>
+        <p:spPr/>
+        <p:txBody>
+          <a:bodyPr/>
+          <a:lstStyle/>
+          <a:p>
+            <a:endParaRPr lang="zh-TW" altLang="en-US"/>
+          </a:p>
+        </p:txBody>
+      </p:sp>
+      <p:pic>
+        <p:nvPicPr>
+          <p:cNvPr id="4" name="圖片 3">
+            <a:extLst>
+              <a:ext uri="{FF2B5EF4-FFF2-40B4-BE49-F238E27FC236}">
+                <a16:creationId xmlns:a16="http://schemas.microsoft.com/office/drawing/2014/main" id="{61B880BC-134D-4755-9D38-13DFA9C83B55}"/>
+              </a:ext>
+            </a:extLst>
+          </p:cNvPr>
+          <p:cNvPicPr>
+            <a:picLocks noChangeAspect="1"/>
+          </p:cNvPicPr>
+          <p:nvPr/>
+        </p:nvPicPr>
+        <p:blipFill>
+          <a:blip r:embed="rId2">
+            <a:extLst>
+              <a:ext uri="{28A0092B-C50C-407E-A947-70E740481C1C}">
+                <a14:useLocalDpi xmlns:a14="http://schemas.microsoft.com/office/drawing/2010/main" val="0"/>
+              </a:ext>
+            </a:extLst>
+          </a:blip>
+          <a:stretch>
+            <a:fillRect/>
+          </a:stretch>
+        </p:blipFill>
+        <p:spPr>
+          <a:xfrm>
+            <a:off x="1422399" y="965200"/>
+            <a:ext cx="10076959" cy="5312310"/>
+          </a:xfrm>
+          <a:prstGeom prst="rect">
+            <a:avLst/>
+          </a:prstGeom>
+        </p:spPr>
+      </p:pic>
+    </p:spTree>
+    <p:extLst>
+      <p:ext uri="{BB962C8B-B14F-4D97-AF65-F5344CB8AC3E}">
+        <p14:creationId xmlns:p14="http://schemas.microsoft.com/office/powerpoint/2010/main" val="923504723"/>
+      </p:ext>
+    </p:extLst>
+  </p:cSld>
+  <p:clrMapOvr>
+    <a:masterClrMapping/>
+  </p:clrMapOvr>
+</p:sld>
+</file>
+
+<file path=ppt/slides/slide26.xml><?xml version="1.0" encoding="utf-8"?>
+<p:sld xmlns:a="http://schemas.openxmlformats.org/drawingml/2006/main" xmlns:r="http://schemas.openxmlformats.org/officeDocument/2006/relationships" xmlns:p="http://schemas.openxmlformats.org/presentationml/2006/main">
+  <p:cSld>
+    <p:spTree>
+      <p:nvGrpSpPr>
+        <p:cNvPr id="1" name=""/>
+        <p:cNvGrpSpPr/>
+        <p:nvPr/>
+      </p:nvGrpSpPr>
+      <p:grpSpPr>
+        <a:xfrm>
+          <a:off x="0" y="0"/>
+          <a:ext cx="0" cy="0"/>
+          <a:chOff x="0" y="0"/>
+          <a:chExt cx="0" cy="0"/>
+        </a:xfrm>
+      </p:grpSpPr>
+      <p:sp>
+        <p:nvSpPr>
+          <p:cNvPr id="2" name="標題 1">
+            <a:extLst>
+              <a:ext uri="{FF2B5EF4-FFF2-40B4-BE49-F238E27FC236}">
+                <a16:creationId xmlns:a16="http://schemas.microsoft.com/office/drawing/2014/main" id="{1294C6BB-D4EF-4C32-97CE-CB1321D53DB8}"/>
+              </a:ext>
+            </a:extLst>
+          </p:cNvPr>
+          <p:cNvSpPr>
+            <a:spLocks noGrp="1"/>
+          </p:cNvSpPr>
+          <p:nvPr>
+            <p:ph type="title"/>
+          </p:nvPr>
+        </p:nvSpPr>
+        <p:spPr/>
+        <p:txBody>
+          <a:bodyPr>
+            <a:normAutofit/>
+          </a:bodyPr>
+          <a:lstStyle/>
+          <a:p>
+            <a:r>
+              <a:rPr lang="zh-TW" altLang="en-US" sz="4400" dirty="0"/>
+              <a:t>選擇使用</a:t>
+            </a:r>
+            <a:r>
+              <a:rPr lang="en-US" altLang="zh-TW" sz="4400" dirty="0"/>
+              <a:t>Google Cloud SDK </a:t>
+            </a:r>
+            <a:r>
+              <a:rPr lang="zh-TW" altLang="en-US" sz="4400" dirty="0"/>
+              <a:t>的</a:t>
+            </a:r>
+            <a:br>
+              <a:rPr lang="en-US" altLang="zh-TW" sz="4400" dirty="0"/>
+            </a:br>
+            <a:r>
+              <a:rPr lang="zh-TW" altLang="en-US" sz="4400" dirty="0"/>
+              <a:t> </a:t>
+            </a:r>
+            <a:r>
+              <a:rPr lang="en-US" altLang="zh-TW" sz="4400" dirty="0"/>
+              <a:t>Google </a:t>
+            </a:r>
+            <a:r>
+              <a:rPr lang="zh-TW" altLang="en-US" sz="4400" dirty="0"/>
+              <a:t>帳號</a:t>
+            </a:r>
+          </a:p>
+        </p:txBody>
+      </p:sp>
+      <p:pic>
+        <p:nvPicPr>
+          <p:cNvPr id="4" name="圖片 3">
+            <a:extLst>
+              <a:ext uri="{FF2B5EF4-FFF2-40B4-BE49-F238E27FC236}">
+                <a16:creationId xmlns:a16="http://schemas.microsoft.com/office/drawing/2014/main" id="{BE67513A-B185-48CD-A3B6-CF5D4B70DAF5}"/>
+              </a:ext>
+            </a:extLst>
+          </p:cNvPr>
+          <p:cNvPicPr>
+            <a:picLocks noChangeAspect="1"/>
+          </p:cNvPicPr>
+          <p:nvPr/>
+        </p:nvPicPr>
+        <p:blipFill>
+          <a:blip r:embed="rId2">
+            <a:extLst>
+              <a:ext uri="{28A0092B-C50C-407E-A947-70E740481C1C}">
+                <a14:useLocalDpi xmlns:a14="http://schemas.microsoft.com/office/drawing/2010/main" val="0"/>
+              </a:ext>
+            </a:extLst>
+          </a:blip>
+          <a:stretch>
+            <a:fillRect/>
+          </a:stretch>
+        </p:blipFill>
+        <p:spPr>
+          <a:xfrm>
+            <a:off x="4993240" y="1273170"/>
+            <a:ext cx="3811713" cy="5202445"/>
+          </a:xfrm>
+          <a:prstGeom prst="rect">
+            <a:avLst/>
+          </a:prstGeom>
+        </p:spPr>
+      </p:pic>
+    </p:spTree>
+    <p:extLst>
+      <p:ext uri="{BB962C8B-B14F-4D97-AF65-F5344CB8AC3E}">
+        <p14:creationId xmlns:p14="http://schemas.microsoft.com/office/powerpoint/2010/main" val="1088155068"/>
+      </p:ext>
+    </p:extLst>
+  </p:cSld>
+  <p:clrMapOvr>
+    <a:masterClrMapping/>
+  </p:clrMapOvr>
+</p:sld>
+</file>
+
+<file path=ppt/slides/slide27.xml><?xml version="1.0" encoding="utf-8"?>
+<p:sld xmlns:a="http://schemas.openxmlformats.org/drawingml/2006/main" xmlns:r="http://schemas.openxmlformats.org/officeDocument/2006/relationships" xmlns:p="http://schemas.openxmlformats.org/presentationml/2006/main">
+  <p:cSld>
+    <p:spTree>
+      <p:nvGrpSpPr>
+        <p:cNvPr id="1" name=""/>
+        <p:cNvGrpSpPr/>
+        <p:nvPr/>
+      </p:nvGrpSpPr>
+      <p:grpSpPr>
+        <a:xfrm>
+          <a:off x="0" y="0"/>
+          <a:ext cx="0" cy="0"/>
+          <a:chOff x="0" y="0"/>
+          <a:chExt cx="0" cy="0"/>
+        </a:xfrm>
+      </p:grpSpPr>
+      <p:sp>
+        <p:nvSpPr>
+          <p:cNvPr id="2" name="標題 1">
+            <a:extLst>
+              <a:ext uri="{FF2B5EF4-FFF2-40B4-BE49-F238E27FC236}">
+                <a16:creationId xmlns:a16="http://schemas.microsoft.com/office/drawing/2014/main" id="{02646254-CFD3-40A5-A141-106687B0BB2F}"/>
+              </a:ext>
+            </a:extLst>
+          </p:cNvPr>
+          <p:cNvSpPr>
+            <a:spLocks noGrp="1"/>
+          </p:cNvSpPr>
+          <p:nvPr>
+            <p:ph type="title"/>
+          </p:nvPr>
+        </p:nvSpPr>
+        <p:spPr/>
+        <p:txBody>
+          <a:bodyPr/>
+          <a:lstStyle/>
+          <a:p>
+            <a:r>
+              <a:rPr lang="zh-TW" altLang="en-US" dirty="0"/>
+              <a:t>選擇 </a:t>
+            </a:r>
+            <a:r>
+              <a:rPr lang="en-US" altLang="zh-TW" dirty="0"/>
+              <a:t>10 </a:t>
+            </a:r>
+            <a:r>
+              <a:rPr lang="zh-TW" altLang="en-US" dirty="0"/>
+              <a:t>建立新專案</a:t>
+            </a:r>
+          </a:p>
+        </p:txBody>
+      </p:sp>
+      <p:pic>
+        <p:nvPicPr>
+          <p:cNvPr id="4" name="圖片 3">
+            <a:extLst>
+              <a:ext uri="{FF2B5EF4-FFF2-40B4-BE49-F238E27FC236}">
+                <a16:creationId xmlns:a16="http://schemas.microsoft.com/office/drawing/2014/main" id="{8321A949-C09B-4A3A-96C2-12D6D1BEA316}"/>
+              </a:ext>
+            </a:extLst>
+          </p:cNvPr>
+          <p:cNvPicPr>
+            <a:picLocks noChangeAspect="1"/>
+          </p:cNvPicPr>
+          <p:nvPr/>
+        </p:nvPicPr>
+        <p:blipFill>
+          <a:blip r:embed="rId2">
+            <a:extLst>
+              <a:ext uri="{28A0092B-C50C-407E-A947-70E740481C1C}">
+                <a14:useLocalDpi xmlns:a14="http://schemas.microsoft.com/office/drawing/2010/main" val="0"/>
+              </a:ext>
+            </a:extLst>
+          </a:blip>
+          <a:stretch>
+            <a:fillRect/>
+          </a:stretch>
+        </p:blipFill>
+        <p:spPr>
+          <a:xfrm>
+            <a:off x="1409700" y="1874517"/>
+            <a:ext cx="9372600" cy="4864100"/>
+          </a:xfrm>
+          <a:prstGeom prst="rect">
+            <a:avLst/>
+          </a:prstGeom>
+        </p:spPr>
+      </p:pic>
+    </p:spTree>
+    <p:extLst>
+      <p:ext uri="{BB962C8B-B14F-4D97-AF65-F5344CB8AC3E}">
+        <p14:creationId xmlns:p14="http://schemas.microsoft.com/office/powerpoint/2010/main" val="1833550143"/>
+      </p:ext>
+    </p:extLst>
+  </p:cSld>
+  <p:clrMapOvr>
+    <a:masterClrMapping/>
+  </p:clrMapOvr>
+</p:sld>
+</file>
+
+<file path=ppt/slides/slide28.xml><?xml version="1.0" encoding="utf-8"?>
+<p:sld xmlns:a="http://schemas.openxmlformats.org/drawingml/2006/main" xmlns:r="http://schemas.openxmlformats.org/officeDocument/2006/relationships" xmlns:p="http://schemas.openxmlformats.org/presentationml/2006/main">
+  <p:cSld>
+    <p:spTree>
+      <p:nvGrpSpPr>
+        <p:cNvPr id="1" name=""/>
+        <p:cNvGrpSpPr/>
+        <p:nvPr/>
+      </p:nvGrpSpPr>
+      <p:grpSpPr>
+        <a:xfrm>
+          <a:off x="0" y="0"/>
+          <a:ext cx="0" cy="0"/>
+          <a:chOff x="0" y="0"/>
+          <a:chExt cx="0" cy="0"/>
+        </a:xfrm>
+      </p:grpSpPr>
+      <p:sp>
+        <p:nvSpPr>
+          <p:cNvPr id="2" name="標題 1">
+            <a:extLst>
+              <a:ext uri="{FF2B5EF4-FFF2-40B4-BE49-F238E27FC236}">
                 <a16:creationId xmlns:a16="http://schemas.microsoft.com/office/drawing/2014/main" id="{4FD2392E-365C-4A3A-A247-CDCF013719BF}"/>
               </a:ext>
             </a:extLst>
@@ -8296,7 +9174,7 @@
 </p:sld>
 </file>
 
-<file path=ppt/slides/slide21.xml><?xml version="1.0" encoding="utf-8"?>
+<file path=ppt/slides/slide29.xml><?xml version="1.0" encoding="utf-8"?>
 <p:sld xmlns:a="http://schemas.openxmlformats.org/drawingml/2006/main" xmlns:r="http://schemas.openxmlformats.org/officeDocument/2006/relationships" xmlns:p="http://schemas.openxmlformats.org/presentationml/2006/main">
   <p:cSld>
     <p:spTree>
@@ -8394,7 +9272,101 @@
 </p:sld>
 </file>
 
-<file path=ppt/slides/slide22.xml><?xml version="1.0" encoding="utf-8"?>
+<file path=ppt/slides/slide3.xml><?xml version="1.0" encoding="utf-8"?>
+<p:sld xmlns:a="http://schemas.openxmlformats.org/drawingml/2006/main" xmlns:r="http://schemas.openxmlformats.org/officeDocument/2006/relationships" xmlns:p="http://schemas.openxmlformats.org/presentationml/2006/main">
+  <p:cSld>
+    <p:spTree>
+      <p:nvGrpSpPr>
+        <p:cNvPr id="1" name=""/>
+        <p:cNvGrpSpPr/>
+        <p:nvPr/>
+      </p:nvGrpSpPr>
+      <p:grpSpPr>
+        <a:xfrm>
+          <a:off x="0" y="0"/>
+          <a:ext cx="0" cy="0"/>
+          <a:chOff x="0" y="0"/>
+          <a:chExt cx="0" cy="0"/>
+        </a:xfrm>
+      </p:grpSpPr>
+      <p:sp>
+        <p:nvSpPr>
+          <p:cNvPr id="2" name="標題 1">
+            <a:extLst>
+              <a:ext uri="{FF2B5EF4-FFF2-40B4-BE49-F238E27FC236}">
+                <a16:creationId xmlns:a16="http://schemas.microsoft.com/office/drawing/2014/main" id="{B53C816B-5AE8-4906-814F-9E0D32BD7C14}"/>
+              </a:ext>
+            </a:extLst>
+          </p:cNvPr>
+          <p:cNvSpPr>
+            <a:spLocks noGrp="1"/>
+          </p:cNvSpPr>
+          <p:nvPr>
+            <p:ph type="title"/>
+          </p:nvPr>
+        </p:nvSpPr>
+        <p:spPr/>
+        <p:txBody>
+          <a:bodyPr/>
+          <a:lstStyle/>
+          <a:p>
+            <a:pPr algn="ctr"/>
+            <a:r>
+              <a:rPr lang="zh-TW" altLang="en-US" dirty="0"/>
+              <a:t>課程綱要</a:t>
+            </a:r>
+          </a:p>
+        </p:txBody>
+      </p:sp>
+      <p:pic>
+        <p:nvPicPr>
+          <p:cNvPr id="5" name="內容版面配置區 4">
+            <a:extLst>
+              <a:ext uri="{FF2B5EF4-FFF2-40B4-BE49-F238E27FC236}">
+                <a16:creationId xmlns:a16="http://schemas.microsoft.com/office/drawing/2014/main" id="{086F5829-9C19-4A6B-A61E-CF612EE88962}"/>
+              </a:ext>
+            </a:extLst>
+          </p:cNvPr>
+          <p:cNvPicPr>
+            <a:picLocks noGrp="1" noChangeAspect="1"/>
+          </p:cNvPicPr>
+          <p:nvPr>
+            <p:ph idx="1"/>
+          </p:nvPr>
+        </p:nvPicPr>
+        <p:blipFill>
+          <a:blip r:embed="rId2">
+            <a:extLst>
+              <a:ext uri="{28A0092B-C50C-407E-A947-70E740481C1C}">
+                <a14:useLocalDpi xmlns:a14="http://schemas.microsoft.com/office/drawing/2010/main" val="0"/>
+              </a:ext>
+            </a:extLst>
+          </a:blip>
+          <a:stretch>
+            <a:fillRect/>
+          </a:stretch>
+        </p:blipFill>
+        <p:spPr>
+          <a:xfrm>
+            <a:off x="2153331" y="1459883"/>
+            <a:ext cx="8375015" cy="5203007"/>
+          </a:xfrm>
+        </p:spPr>
+      </p:pic>
+    </p:spTree>
+    <p:extLst>
+      <p:ext uri="{BB962C8B-B14F-4D97-AF65-F5344CB8AC3E}">
+        <p14:creationId xmlns:p14="http://schemas.microsoft.com/office/powerpoint/2010/main" val="4263122779"/>
+      </p:ext>
+    </p:extLst>
+  </p:cSld>
+  <p:clrMapOvr>
+    <a:masterClrMapping/>
+  </p:clrMapOvr>
+</p:sld>
+</file>
+
+<file path=ppt/slides/slide30.xml><?xml version="1.0" encoding="utf-8"?>
 <p:sld xmlns:a="http://schemas.openxmlformats.org/drawingml/2006/main" xmlns:r="http://schemas.openxmlformats.org/officeDocument/2006/relationships" xmlns:p="http://schemas.openxmlformats.org/presentationml/2006/main">
   <p:cSld>
     <p:spTree>
@@ -8545,7 +9517,7 @@
 </p:sld>
 </file>
 
-<file path=ppt/slides/slide23.xml><?xml version="1.0" encoding="utf-8"?>
+<file path=ppt/slides/slide31.xml><?xml version="1.0" encoding="utf-8"?>
 <p:sld xmlns:a="http://schemas.openxmlformats.org/drawingml/2006/main" xmlns:r="http://schemas.openxmlformats.org/officeDocument/2006/relationships" xmlns:p="http://schemas.openxmlformats.org/presentationml/2006/main">
   <p:cSld>
     <p:spTree>
@@ -8639,7 +9611,7 @@
 </p:sld>
 </file>
 
-<file path=ppt/slides/slide3.xml><?xml version="1.0" encoding="utf-8"?>
+<file path=ppt/slides/slide32.xml><?xml version="1.0" encoding="utf-8"?>
 <p:sld xmlns:a="http://schemas.openxmlformats.org/drawingml/2006/main" xmlns:r="http://schemas.openxmlformats.org/officeDocument/2006/relationships" xmlns:p="http://schemas.openxmlformats.org/presentationml/2006/main">
   <p:cSld>
     <p:spTree>
@@ -8661,7 +9633,7 @@
           <p:cNvPr id="2" name="標題 1">
             <a:extLst>
               <a:ext uri="{FF2B5EF4-FFF2-40B4-BE49-F238E27FC236}">
-                <a16:creationId xmlns:a16="http://schemas.microsoft.com/office/drawing/2014/main" id="{B53C816B-5AE8-4906-814F-9E0D32BD7C14}"/>
+                <a16:creationId xmlns:a16="http://schemas.microsoft.com/office/drawing/2014/main" id="{22E231DB-F424-4CCA-A002-64EFAE2F2F2C}"/>
               </a:ext>
             </a:extLst>
           </p:cNvPr>
@@ -8677,29 +9649,174 @@
           <a:bodyPr/>
           <a:lstStyle/>
           <a:p>
-            <a:pPr algn="ctr"/>
+            <a:r>
+              <a:rPr lang="en-US" altLang="zh-TW" dirty="0"/>
+              <a:t>Lab </a:t>
+            </a:r>
             <a:r>
               <a:rPr lang="zh-TW" altLang="en-US" dirty="0"/>
-              <a:t>課程綱要</a:t>
-            </a:r>
+              <a:t>建置一個</a:t>
+            </a:r>
+            <a:r>
+              <a:rPr lang="en-US" altLang="zh-TW" dirty="0"/>
+              <a:t>VM </a:t>
+            </a:r>
+            <a:r>
+              <a:rPr lang="zh-TW" altLang="en-US" dirty="0"/>
+              <a:t>執行 </a:t>
+            </a:r>
+            <a:r>
+              <a:rPr lang="en-US" altLang="zh-TW" dirty="0"/>
+              <a:t>WP Blog</a:t>
+            </a:r>
+            <a:endParaRPr lang="zh-TW" altLang="en-US" dirty="0"/>
+          </a:p>
+        </p:txBody>
+      </p:sp>
+      <p:sp>
+        <p:nvSpPr>
+          <p:cNvPr id="3" name="文字方塊 2">
+            <a:extLst>
+              <a:ext uri="{FF2B5EF4-FFF2-40B4-BE49-F238E27FC236}">
+                <a16:creationId xmlns:a16="http://schemas.microsoft.com/office/drawing/2014/main" id="{CDFA672F-9FE2-43CC-B851-44F8F1776893}"/>
+              </a:ext>
+            </a:extLst>
+          </p:cNvPr>
+          <p:cNvSpPr txBox="1"/>
+          <p:nvPr/>
+        </p:nvSpPr>
+        <p:spPr>
+          <a:xfrm>
+            <a:off x="2243579" y="2620652"/>
+            <a:ext cx="5825954" cy="1754326"/>
+          </a:xfrm>
+          <a:prstGeom prst="rect">
+            <a:avLst/>
+          </a:prstGeom>
+          <a:noFill/>
+        </p:spPr>
+        <p:txBody>
+          <a:bodyPr wrap="none" rtlCol="0">
+            <a:spAutoFit/>
+          </a:bodyPr>
+          <a:lstStyle/>
+          <a:p>
+            <a:r>
+              <a:rPr lang="zh-TW" altLang="en-US" sz="3600" dirty="0"/>
+              <a:t>登入 </a:t>
+            </a:r>
+            <a:r>
+              <a:rPr lang="en-US" altLang="zh-TW" sz="3600" dirty="0"/>
+              <a:t>Google Cloud </a:t>
+            </a:r>
+            <a:r>
+              <a:rPr lang="en-US" altLang="zh-TW" sz="3600" dirty="0" err="1"/>
+              <a:t>Plateform</a:t>
+            </a:r>
+            <a:endParaRPr lang="en-US" altLang="zh-TW" sz="3600" dirty="0"/>
+          </a:p>
+          <a:p>
+            <a:endParaRPr lang="en-US" altLang="zh-TW" sz="3600" dirty="0"/>
+          </a:p>
+          <a:p>
+            <a:r>
+              <a:rPr lang="zh-TW" altLang="en-US" sz="3600" dirty="0"/>
+              <a:t>點選</a:t>
+            </a:r>
+            <a:r>
+              <a:rPr lang="en-US" altLang="zh-TW" sz="3600" dirty="0"/>
+              <a:t>:</a:t>
+            </a:r>
+            <a:r>
+              <a:rPr lang="zh-TW" altLang="en-US" sz="3600" dirty="0"/>
+              <a:t> </a:t>
+            </a:r>
+            <a:r>
+              <a:rPr lang="en-US" altLang="zh-TW" sz="3600" dirty="0"/>
+              <a:t>[</a:t>
+            </a:r>
+            <a:r>
+              <a:rPr lang="zh-TW" altLang="en-US" sz="3600" dirty="0">
+                <a:hlinkClick r:id="rId2"/>
+              </a:rPr>
+              <a:t>連結</a:t>
+            </a:r>
+            <a:r>
+              <a:rPr lang="en-US" altLang="zh-TW" sz="3600" dirty="0"/>
+              <a:t>]</a:t>
+            </a:r>
+            <a:endParaRPr lang="zh-TW" altLang="en-US" sz="3600" dirty="0"/>
+          </a:p>
+        </p:txBody>
+      </p:sp>
+    </p:spTree>
+    <p:extLst>
+      <p:ext uri="{BB962C8B-B14F-4D97-AF65-F5344CB8AC3E}">
+        <p14:creationId xmlns:p14="http://schemas.microsoft.com/office/powerpoint/2010/main" val="1381284604"/>
+      </p:ext>
+    </p:extLst>
+  </p:cSld>
+  <p:clrMapOvr>
+    <a:masterClrMapping/>
+  </p:clrMapOvr>
+</p:sld>
+</file>
+
+<file path=ppt/slides/slide33.xml><?xml version="1.0" encoding="utf-8"?>
+<p:sld xmlns:a="http://schemas.openxmlformats.org/drawingml/2006/main" xmlns:r="http://schemas.openxmlformats.org/officeDocument/2006/relationships" xmlns:p="http://schemas.openxmlformats.org/presentationml/2006/main">
+  <p:cSld>
+    <p:spTree>
+      <p:nvGrpSpPr>
+        <p:cNvPr id="1" name=""/>
+        <p:cNvGrpSpPr/>
+        <p:nvPr/>
+      </p:nvGrpSpPr>
+      <p:grpSpPr>
+        <a:xfrm>
+          <a:off x="0" y="0"/>
+          <a:ext cx="0" cy="0"/>
+          <a:chOff x="0" y="0"/>
+          <a:chExt cx="0" cy="0"/>
+        </a:xfrm>
+      </p:grpSpPr>
+      <p:sp>
+        <p:nvSpPr>
+          <p:cNvPr id="2" name="標題 1">
+            <a:extLst>
+              <a:ext uri="{FF2B5EF4-FFF2-40B4-BE49-F238E27FC236}">
+                <a16:creationId xmlns:a16="http://schemas.microsoft.com/office/drawing/2014/main" id="{EC177147-84EE-4C4A-AA5C-6940DFC50BC2}"/>
+              </a:ext>
+            </a:extLst>
+          </p:cNvPr>
+          <p:cNvSpPr>
+            <a:spLocks noGrp="1"/>
+          </p:cNvSpPr>
+          <p:nvPr>
+            <p:ph type="title"/>
+          </p:nvPr>
+        </p:nvSpPr>
+        <p:spPr/>
+        <p:txBody>
+          <a:bodyPr/>
+          <a:lstStyle/>
+          <a:p>
+            <a:endParaRPr lang="zh-TW" altLang="en-US"/>
           </a:p>
         </p:txBody>
       </p:sp>
       <p:pic>
         <p:nvPicPr>
-          <p:cNvPr id="5" name="內容版面配置區 4">
+          <p:cNvPr id="4" name="圖片 3">
             <a:extLst>
               <a:ext uri="{FF2B5EF4-FFF2-40B4-BE49-F238E27FC236}">
-                <a16:creationId xmlns:a16="http://schemas.microsoft.com/office/drawing/2014/main" id="{086F5829-9C19-4A6B-A61E-CF612EE88962}"/>
+                <a16:creationId xmlns:a16="http://schemas.microsoft.com/office/drawing/2014/main" id="{16C9AAFD-D787-4A8B-BE1D-AD9F9E067037}"/>
               </a:ext>
             </a:extLst>
           </p:cNvPr>
           <p:cNvPicPr>
-            <a:picLocks noGrp="1" noChangeAspect="1"/>
+            <a:picLocks noChangeAspect="1"/>
           </p:cNvPicPr>
-          <p:nvPr>
-            <p:ph idx="1"/>
-          </p:nvPr>
+          <p:nvPr/>
         </p:nvPicPr>
         <p:blipFill>
           <a:blip r:embed="rId2">
@@ -8715,15 +9832,18 @@
         </p:blipFill>
         <p:spPr>
           <a:xfrm>
-            <a:off x="2153331" y="1459883"/>
-            <a:ext cx="8375015" cy="5203007"/>
+            <a:off x="3672827" y="0"/>
+            <a:ext cx="4846346" cy="6858000"/>
           </a:xfrm>
+          <a:prstGeom prst="rect">
+            <a:avLst/>
+          </a:prstGeom>
         </p:spPr>
       </p:pic>
     </p:spTree>
     <p:extLst>
       <p:ext uri="{BB962C8B-B14F-4D97-AF65-F5344CB8AC3E}">
-        <p14:creationId xmlns:p14="http://schemas.microsoft.com/office/powerpoint/2010/main" val="4263122779"/>
+        <p14:creationId xmlns:p14="http://schemas.microsoft.com/office/powerpoint/2010/main" val="1136663939"/>
       </p:ext>
     </p:extLst>
   </p:cSld>
@@ -8755,7 +9875,7 @@
           <p:cNvPr id="2" name="標題 1">
             <a:extLst>
               <a:ext uri="{FF2B5EF4-FFF2-40B4-BE49-F238E27FC236}">
-                <a16:creationId xmlns:a16="http://schemas.microsoft.com/office/drawing/2014/main" id="{9FC85AB1-BE40-4FB3-B266-3FE93C9ED25F}"/>
+                <a16:creationId xmlns:a16="http://schemas.microsoft.com/office/drawing/2014/main" id="{B6734AA2-6100-4A97-9E09-88192607AD23}"/>
               </a:ext>
             </a:extLst>
           </p:cNvPr>
@@ -8768,8 +9888,8 @@
         </p:nvSpPr>
         <p:spPr>
           <a:xfrm>
-            <a:off x="1395516" y="2560506"/>
-            <a:ext cx="10178322" cy="1492132"/>
+            <a:off x="1251678" y="382385"/>
+            <a:ext cx="10178322" cy="795966"/>
           </a:xfrm>
         </p:spPr>
         <p:txBody>
@@ -8778,18 +9898,11 @@
           <a:p>
             <a:r>
               <a:rPr lang="en-US" altLang="zh-TW" dirty="0"/>
-              <a:t>Day1-1 </a:t>
-            </a:r>
-            <a:br>
-              <a:rPr lang="en-US" altLang="zh-TW" dirty="0"/>
-            </a:br>
-            <a:r>
-              <a:rPr lang="en-US" altLang="zh-TW" dirty="0"/>
-              <a:t>Google </a:t>
+              <a:t>Google Cloud </a:t>
             </a:r>
             <a:r>
               <a:rPr lang="en-US" altLang="zh-TW" dirty="0" err="1"/>
-              <a:t>gcp</a:t>
+              <a:t>Plateform</a:t>
             </a:r>
             <a:r>
               <a:rPr lang="en-US" altLang="zh-TW" dirty="0"/>
@@ -8797,23 +9910,178 @@
             </a:r>
             <a:r>
               <a:rPr lang="zh-TW" altLang="en-US" dirty="0"/>
-              <a:t>設定與</a:t>
-            </a:r>
-            <a:r>
-              <a:rPr lang="en-US" altLang="zh-TW" dirty="0" err="1"/>
-              <a:t>vm</a:t>
-            </a:r>
-            <a:r>
-              <a:rPr lang="zh-TW" altLang="en-US" dirty="0"/>
-              <a:t>設定</a:t>
-            </a:r>
+              <a:t>簡介</a:t>
+            </a:r>
+          </a:p>
+        </p:txBody>
+      </p:sp>
+      <p:sp>
+        <p:nvSpPr>
+          <p:cNvPr id="3" name="內容版面配置區 2">
+            <a:extLst>
+              <a:ext uri="{FF2B5EF4-FFF2-40B4-BE49-F238E27FC236}">
+                <a16:creationId xmlns:a16="http://schemas.microsoft.com/office/drawing/2014/main" id="{DE77E65D-9B48-402D-B7F8-2D7F467C38F4}"/>
+              </a:ext>
+            </a:extLst>
+          </p:cNvPr>
+          <p:cNvSpPr>
+            <a:spLocks noGrp="1"/>
+          </p:cNvSpPr>
+          <p:nvPr>
+            <p:ph idx="1"/>
+          </p:nvPr>
+        </p:nvSpPr>
+        <p:spPr>
+          <a:xfrm>
+            <a:off x="1251678" y="1640264"/>
+            <a:ext cx="10178322" cy="4986779"/>
+          </a:xfrm>
+        </p:spPr>
+        <p:txBody>
+          <a:bodyPr>
+            <a:normAutofit/>
+          </a:bodyPr>
+          <a:lstStyle/>
+          <a:p>
+            <a:pPr marL="342900" lvl="0" indent="-342900">
+              <a:spcAft>
+                <a:spcPts val="0"/>
+              </a:spcAft>
+              <a:buFont typeface="Wingdings" panose="05000000000000000000" pitchFamily="2" charset="2"/>
+              <a:buChar char=""/>
+            </a:pPr>
+            <a:r>
+              <a:rPr lang="en-US" altLang="zh-TW" sz="2800" kern="100" dirty="0">
+                <a:latin typeface="Calibri" panose="020F0502020204030204" pitchFamily="34" charset="0"/>
+                <a:ea typeface="新細明體" panose="02020500000000000000" pitchFamily="18" charset="-120"/>
+                <a:cs typeface="Times New Roman" panose="02020603050405020304" pitchFamily="18" charset="0"/>
+              </a:rPr>
+              <a:t>Google Cloud Platform</a:t>
+            </a:r>
+            <a:r>
+              <a:rPr lang="zh-TW" altLang="zh-TW" sz="2800" kern="100" dirty="0">
+                <a:latin typeface="Calibri" panose="020F0502020204030204" pitchFamily="34" charset="0"/>
+                <a:ea typeface="新細明體" panose="02020500000000000000" pitchFamily="18" charset="-120"/>
+                <a:cs typeface="Times New Roman" panose="02020603050405020304" pitchFamily="18" charset="0"/>
+              </a:rPr>
+              <a:t>使開發人員能夠構建，測試</a:t>
+            </a:r>
+          </a:p>
+          <a:p>
+            <a:pPr marL="499110" lvl="1" indent="0">
+              <a:buNone/>
+            </a:pPr>
+            <a:r>
+              <a:rPr lang="zh-TW" altLang="zh-TW" sz="2800" kern="100" dirty="0">
+                <a:latin typeface="Calibri" panose="020F0502020204030204" pitchFamily="34" charset="0"/>
+                <a:ea typeface="新細明體" panose="02020500000000000000" pitchFamily="18" charset="-120"/>
+                <a:cs typeface="Times New Roman" panose="02020603050405020304" pitchFamily="18" charset="0"/>
+              </a:rPr>
+              <a:t>並在</a:t>
+            </a:r>
+            <a:r>
+              <a:rPr lang="en-US" altLang="zh-TW" sz="2800" kern="100" dirty="0">
+                <a:latin typeface="Calibri" panose="020F0502020204030204" pitchFamily="34" charset="0"/>
+                <a:ea typeface="新細明體" panose="02020500000000000000" pitchFamily="18" charset="-120"/>
+                <a:cs typeface="Times New Roman" panose="02020603050405020304" pitchFamily="18" charset="0"/>
+              </a:rPr>
+              <a:t>Google</a:t>
+            </a:r>
+            <a:r>
+              <a:rPr lang="zh-TW" altLang="zh-TW" sz="2800" kern="100" dirty="0">
+                <a:latin typeface="Calibri" panose="020F0502020204030204" pitchFamily="34" charset="0"/>
+                <a:ea typeface="新細明體" panose="02020500000000000000" pitchFamily="18" charset="-120"/>
+                <a:cs typeface="Times New Roman" panose="02020603050405020304" pitchFamily="18" charset="0"/>
+              </a:rPr>
+              <a:t>高度可擴展的可靠的基礎架構。</a:t>
+            </a:r>
+          </a:p>
+          <a:p>
+            <a:pPr marL="499110" lvl="1" indent="0">
+              <a:buNone/>
+            </a:pPr>
+            <a:r>
+              <a:rPr lang="zh-TW" altLang="zh-TW" sz="2800" kern="100" dirty="0">
+                <a:latin typeface="Calibri" panose="020F0502020204030204" pitchFamily="34" charset="0"/>
+                <a:ea typeface="新細明體" panose="02020500000000000000" pitchFamily="18" charset="-120"/>
+                <a:cs typeface="Times New Roman" panose="02020603050405020304" pitchFamily="18" charset="0"/>
+              </a:rPr>
+              <a:t>從計算，存儲中選擇和適用於您的網絡，</a:t>
+            </a:r>
+          </a:p>
+          <a:p>
+            <a:pPr marL="499110" lvl="1" indent="0">
+              <a:buNone/>
+            </a:pPr>
+            <a:r>
+              <a:rPr lang="zh-TW" altLang="zh-TW" sz="2800" kern="100" dirty="0">
+                <a:latin typeface="Calibri" panose="020F0502020204030204" pitchFamily="34" charset="0"/>
+                <a:ea typeface="新細明體" panose="02020500000000000000" pitchFamily="18" charset="-120"/>
+                <a:cs typeface="Times New Roman" panose="02020603050405020304" pitchFamily="18" charset="0"/>
+              </a:rPr>
+              <a:t>移動和後端的應用程序服務解決方案。</a:t>
+            </a:r>
+          </a:p>
+          <a:p>
+            <a:pPr marL="342900" lvl="0" indent="-342900">
+              <a:spcAft>
+                <a:spcPts val="0"/>
+              </a:spcAft>
+              <a:buFont typeface="Wingdings" panose="05000000000000000000" pitchFamily="2" charset="2"/>
+              <a:buChar char=""/>
+            </a:pPr>
+            <a:r>
+              <a:rPr lang="en-US" altLang="zh-TW" sz="2800" kern="100" dirty="0">
+                <a:latin typeface="Calibri" panose="020F0502020204030204" pitchFamily="34" charset="0"/>
+                <a:ea typeface="新細明體" panose="02020500000000000000" pitchFamily="18" charset="-120"/>
+                <a:cs typeface="Times New Roman" panose="02020603050405020304" pitchFamily="18" charset="0"/>
+              </a:rPr>
+              <a:t>Google Cloud Platform</a:t>
+            </a:r>
+            <a:r>
+              <a:rPr lang="zh-TW" altLang="zh-TW" sz="2800" kern="100" dirty="0">
+                <a:latin typeface="Calibri" panose="020F0502020204030204" pitchFamily="34" charset="0"/>
+                <a:ea typeface="新細明體" panose="02020500000000000000" pitchFamily="18" charset="-120"/>
+                <a:cs typeface="Times New Roman" panose="02020603050405020304" pitchFamily="18" charset="0"/>
+              </a:rPr>
+              <a:t>是一組模塊化的雲</a:t>
+            </a:r>
+          </a:p>
+          <a:p>
+            <a:pPr marL="499110" lvl="1" indent="0">
+              <a:buNone/>
+            </a:pPr>
+            <a:r>
+              <a:rPr lang="zh-TW" altLang="zh-TW" sz="2800" kern="100" dirty="0">
+                <a:latin typeface="Calibri" panose="020F0502020204030204" pitchFamily="34" charset="0"/>
+                <a:ea typeface="新細明體" panose="02020500000000000000" pitchFamily="18" charset="-120"/>
+                <a:cs typeface="Times New Roman" panose="02020603050405020304" pitchFamily="18" charset="0"/>
+              </a:rPr>
+              <a:t>可以讓您從簡單創建任何東西的服務</a:t>
+            </a:r>
+          </a:p>
+          <a:p>
+            <a:pPr marL="499110" lvl="1" indent="0">
+              <a:buNone/>
+            </a:pPr>
+            <a:r>
+              <a:rPr lang="zh-TW" altLang="zh-TW" sz="2800" kern="100" dirty="0">
+                <a:latin typeface="Calibri" panose="020F0502020204030204" pitchFamily="34" charset="0"/>
+                <a:ea typeface="新細明體" panose="02020500000000000000" pitchFamily="18" charset="-120"/>
+                <a:cs typeface="Times New Roman" panose="02020603050405020304" pitchFamily="18" charset="0"/>
+              </a:rPr>
+              <a:t>網站來處理複雜的應用程序。</a:t>
+            </a:r>
+          </a:p>
+          <a:p>
+            <a:endParaRPr lang="zh-TW" altLang="en-US" dirty="0"/>
           </a:p>
         </p:txBody>
       </p:sp>
     </p:spTree>
     <p:extLst>
       <p:ext uri="{BB962C8B-B14F-4D97-AF65-F5344CB8AC3E}">
-        <p14:creationId xmlns:p14="http://schemas.microsoft.com/office/powerpoint/2010/main" val="1718139680"/>
+        <p14:creationId xmlns:p14="http://schemas.microsoft.com/office/powerpoint/2010/main" val="2847306216"/>
       </p:ext>
     </p:extLst>
   </p:cSld>
@@ -8845,7 +10113,7 @@
           <p:cNvPr id="2" name="標題 1">
             <a:extLst>
               <a:ext uri="{FF2B5EF4-FFF2-40B4-BE49-F238E27FC236}">
-                <a16:creationId xmlns:a16="http://schemas.microsoft.com/office/drawing/2014/main" id="{C8D9408E-755C-48AA-BEE7-DCAE7B93E92E}"/>
+                <a16:creationId xmlns:a16="http://schemas.microsoft.com/office/drawing/2014/main" id="{9DFA8B12-4526-4E78-AAFA-7C7E55905A85}"/>
               </a:ext>
             </a:extLst>
           </p:cNvPr>
@@ -8856,12 +10124,7 @@
             <p:ph type="title"/>
           </p:nvPr>
         </p:nvSpPr>
-        <p:spPr>
-          <a:xfrm>
-            <a:off x="934948" y="372110"/>
-            <a:ext cx="10803276" cy="6398559"/>
-          </a:xfrm>
-        </p:spPr>
+        <p:spPr/>
         <p:txBody>
           <a:bodyPr>
             <a:normAutofit/>
@@ -8869,56 +10132,57 @@
           <a:lstStyle/>
           <a:p>
             <a:r>
-              <a:rPr lang="zh-TW" altLang="en-US" dirty="0"/>
-              <a:t>預先準備</a:t>
-            </a:r>
-            <a:r>
-              <a:rPr lang="en-US" altLang="zh-TW" dirty="0"/>
-              <a:t>:</a:t>
-            </a:r>
-            <a:br>
-              <a:rPr lang="en-US" altLang="zh-TW" dirty="0"/>
-            </a:br>
-            <a:br>
-              <a:rPr lang="en-US" altLang="zh-TW" dirty="0"/>
-            </a:br>
-            <a:r>
-              <a:rPr lang="en-US" altLang="zh-TW" dirty="0"/>
-              <a:t>Google </a:t>
-            </a:r>
-            <a:r>
-              <a:rPr lang="zh-TW" altLang="en-US" dirty="0"/>
-              <a:t>帳號，並且在</a:t>
-            </a:r>
-            <a:r>
-              <a:rPr lang="en-US" altLang="zh-TW" dirty="0"/>
-              <a:t>chrome</a:t>
-            </a:r>
-            <a:r>
-              <a:rPr lang="zh-TW" altLang="en-US" dirty="0"/>
-              <a:t>中登入</a:t>
-            </a:r>
-            <a:br>
-              <a:rPr lang="en-US" altLang="zh-TW" dirty="0"/>
-            </a:br>
-            <a:br>
-              <a:rPr lang="en-US" altLang="zh-TW" dirty="0"/>
-            </a:br>
-            <a:r>
-              <a:rPr lang="zh-TW" altLang="en-US" dirty="0"/>
-              <a:t>信用卡資料，用於帳號註冊</a:t>
-            </a:r>
-            <a:br>
-              <a:rPr lang="en-US" altLang="zh-TW" dirty="0"/>
-            </a:br>
-            <a:endParaRPr lang="zh-TW" altLang="en-US" dirty="0"/>
+              <a:rPr lang="en-US" altLang="zh-TW" sz="4800" dirty="0"/>
+              <a:t>Google cloud </a:t>
+            </a:r>
+            <a:r>
+              <a:rPr lang="en-US" altLang="zh-TW" sz="4800" dirty="0" err="1"/>
+              <a:t>plateform</a:t>
+            </a:r>
+            <a:r>
+              <a:rPr lang="en-US" altLang="zh-TW" sz="4800" dirty="0"/>
+              <a:t> services</a:t>
+            </a:r>
+            <a:endParaRPr lang="zh-TW" altLang="en-US" sz="4800" dirty="0"/>
           </a:p>
         </p:txBody>
       </p:sp>
+      <p:pic>
+        <p:nvPicPr>
+          <p:cNvPr id="4" name="內容版面配置區 3">
+            <a:extLst>
+              <a:ext uri="{FF2B5EF4-FFF2-40B4-BE49-F238E27FC236}">
+                <a16:creationId xmlns:a16="http://schemas.microsoft.com/office/drawing/2014/main" id="{6C312187-7868-403B-805D-822C880E2B24}"/>
+              </a:ext>
+            </a:extLst>
+          </p:cNvPr>
+          <p:cNvPicPr>
+            <a:picLocks noGrp="1" noChangeAspect="1"/>
+          </p:cNvPicPr>
+          <p:nvPr>
+            <p:ph idx="1"/>
+          </p:nvPr>
+        </p:nvPicPr>
+        <p:blipFill>
+          <a:blip r:embed="rId2"/>
+          <a:stretch>
+            <a:fillRect/>
+          </a:stretch>
+        </p:blipFill>
+        <p:spPr>
+          <a:xfrm>
+            <a:off x="1086577" y="1398486"/>
+            <a:ext cx="10508523" cy="5267257"/>
+          </a:xfrm>
+          <a:prstGeom prst="rect">
+            <a:avLst/>
+          </a:prstGeom>
+        </p:spPr>
+      </p:pic>
     </p:spTree>
     <p:extLst>
       <p:ext uri="{BB962C8B-B14F-4D97-AF65-F5344CB8AC3E}">
-        <p14:creationId xmlns:p14="http://schemas.microsoft.com/office/powerpoint/2010/main" val="11337051"/>
+        <p14:creationId xmlns:p14="http://schemas.microsoft.com/office/powerpoint/2010/main" val="2047623442"/>
       </p:ext>
     </p:extLst>
   </p:cSld>
@@ -8950,7 +10214,7 @@
           <p:cNvPr id="2" name="標題 1">
             <a:extLst>
               <a:ext uri="{FF2B5EF4-FFF2-40B4-BE49-F238E27FC236}">
-                <a16:creationId xmlns:a16="http://schemas.microsoft.com/office/drawing/2014/main" id="{2A1BC9BD-C92A-44AC-AF48-7E2AD108EEF7}"/>
+                <a16:creationId xmlns:a16="http://schemas.microsoft.com/office/drawing/2014/main" id="{25751CB3-43F7-48A7-82B3-18F645E7E959}"/>
               </a:ext>
             </a:extLst>
           </p:cNvPr>
@@ -8968,59 +10232,111 @@
           <a:p>
             <a:r>
               <a:rPr lang="zh-TW" altLang="en-US" dirty="0"/>
-              <a:t>註冊帳號與啟用</a:t>
-            </a:r>
-            <a:br>
-              <a:rPr lang="en-US" altLang="zh-TW" dirty="0"/>
-            </a:br>
-            <a:r>
-              <a:rPr lang="en-US" altLang="zh-TW" sz="3600" dirty="0"/>
-              <a:t>https://cloud.google.com</a:t>
-            </a:r>
-            <a:endParaRPr lang="zh-TW" altLang="en-US" sz="3600" dirty="0"/>
+              <a:t>為什麼選擇谷歌雲端平台</a:t>
+            </a:r>
           </a:p>
         </p:txBody>
       </p:sp>
-      <p:pic>
-        <p:nvPicPr>
-          <p:cNvPr id="4" name="圖片 3">
+      <p:sp>
+        <p:nvSpPr>
+          <p:cNvPr id="3" name="內容版面配置區 2">
             <a:extLst>
               <a:ext uri="{FF2B5EF4-FFF2-40B4-BE49-F238E27FC236}">
-                <a16:creationId xmlns:a16="http://schemas.microsoft.com/office/drawing/2014/main" id="{1D384EC9-0DDA-49D5-84A7-C328CE2F6B74}"/>
+                <a16:creationId xmlns:a16="http://schemas.microsoft.com/office/drawing/2014/main" id="{C449FEC1-B132-4518-A503-5F0E9672E33C}"/>
               </a:ext>
             </a:extLst>
           </p:cNvPr>
-          <p:cNvPicPr>
-            <a:picLocks noChangeAspect="1"/>
-          </p:cNvPicPr>
-          <p:nvPr/>
-        </p:nvPicPr>
-        <p:blipFill>
-          <a:blip r:embed="rId2">
-            <a:extLst>
-              <a:ext uri="{28A0092B-C50C-407E-A947-70E740481C1C}">
-                <a14:useLocalDpi xmlns:a14="http://schemas.microsoft.com/office/drawing/2010/main" val="0"/>
-              </a:ext>
-            </a:extLst>
-          </a:blip>
-          <a:stretch>
-            <a:fillRect/>
-          </a:stretch>
-        </p:blipFill>
+          <p:cNvSpPr>
+            <a:spLocks noGrp="1"/>
+          </p:cNvSpPr>
+          <p:nvPr>
+            <p:ph idx="1"/>
+          </p:nvPr>
+        </p:nvSpPr>
         <p:spPr>
           <a:xfrm>
-            <a:off x="1348397" y="2027710"/>
-            <a:ext cx="10442967" cy="4632840"/>
+            <a:off x="1251678" y="2286001"/>
+            <a:ext cx="10178322" cy="4058238"/>
           </a:xfrm>
-          <a:prstGeom prst="rect">
-            <a:avLst/>
-          </a:prstGeom>
         </p:spPr>
-      </p:pic>
+        <p:txBody>
+          <a:bodyPr>
+            <a:noAutofit/>
+          </a:bodyPr>
+          <a:lstStyle/>
+          <a:p>
+            <a:pPr marL="742950" indent="-742950">
+              <a:buFont typeface="+mj-lt"/>
+              <a:buAutoNum type="arabicPeriod"/>
+            </a:pPr>
+            <a:r>
+              <a:rPr lang="zh-TW" altLang="en-US" sz="3600" dirty="0"/>
+              <a:t>在</a:t>
+            </a:r>
+            <a:r>
+              <a:rPr lang="en-US" altLang="zh-TW" sz="3600" dirty="0"/>
+              <a:t>Google</a:t>
+            </a:r>
+            <a:r>
+              <a:rPr lang="zh-TW" altLang="en-US" sz="3600" dirty="0"/>
+              <a:t>的基礎架構上運行</a:t>
+            </a:r>
+          </a:p>
+          <a:p>
+            <a:pPr marL="457200" lvl="1" indent="0">
+              <a:buNone/>
+            </a:pPr>
+            <a:r>
+              <a:rPr lang="zh-TW" altLang="en-US" sz="3600" dirty="0"/>
+              <a:t>建立在相同的基礎架構上，該基礎架構使</a:t>
+            </a:r>
+            <a:r>
+              <a:rPr lang="en-US" altLang="zh-TW" sz="3600" dirty="0"/>
+              <a:t>Google</a:t>
+            </a:r>
+            <a:r>
+              <a:rPr lang="zh-TW" altLang="en-US" sz="3600" dirty="0"/>
+              <a:t>可以在毫秒內返回數十億個搜索結果，每月提供</a:t>
+            </a:r>
+            <a:r>
+              <a:rPr lang="en-US" altLang="zh-TW" sz="3600" dirty="0"/>
+              <a:t>60</a:t>
+            </a:r>
+            <a:r>
+              <a:rPr lang="zh-TW" altLang="en-US" sz="3600" dirty="0"/>
+              <a:t>億小時的</a:t>
+            </a:r>
+            <a:r>
+              <a:rPr lang="en-US" altLang="zh-TW" sz="3600" dirty="0"/>
+              <a:t>YouTube</a:t>
+            </a:r>
+            <a:r>
+              <a:rPr lang="zh-TW" altLang="en-US" sz="3600" dirty="0"/>
+              <a:t>視頻，並為</a:t>
+            </a:r>
+            <a:r>
+              <a:rPr lang="en-US" altLang="zh-TW" sz="3600" dirty="0"/>
+              <a:t>4.25</a:t>
+            </a:r>
+            <a:r>
+              <a:rPr lang="zh-TW" altLang="en-US" sz="3600" dirty="0"/>
+              <a:t>億個</a:t>
+            </a:r>
+            <a:r>
+              <a:rPr lang="en-US" altLang="zh-TW" sz="3600" dirty="0"/>
+              <a:t>Gmail</a:t>
+            </a:r>
+            <a:r>
+              <a:rPr lang="zh-TW" altLang="en-US" sz="3600" dirty="0"/>
+              <a:t>用戶提供存儲空間。 全球網絡冗餘創新基礎架構</a:t>
+            </a:r>
+          </a:p>
+        </p:txBody>
+      </p:sp>
     </p:spTree>
     <p:extLst>
       <p:ext uri="{BB962C8B-B14F-4D97-AF65-F5344CB8AC3E}">
-        <p14:creationId xmlns:p14="http://schemas.microsoft.com/office/powerpoint/2010/main" val="2993185118"/>
+        <p14:creationId xmlns:p14="http://schemas.microsoft.com/office/powerpoint/2010/main" val="94654720"/>
       </p:ext>
     </p:extLst>
   </p:cSld>
@@ -9052,7 +10368,7 @@
           <p:cNvPr id="2" name="標題 1">
             <a:extLst>
               <a:ext uri="{FF2B5EF4-FFF2-40B4-BE49-F238E27FC236}">
-                <a16:creationId xmlns:a16="http://schemas.microsoft.com/office/drawing/2014/main" id="{12A6AC73-6CB7-4629-BC08-06F6B693B35F}"/>
+                <a16:creationId xmlns:a16="http://schemas.microsoft.com/office/drawing/2014/main" id="{1EE0E1EE-9858-40DC-A517-1DE141D54563}"/>
               </a:ext>
             </a:extLst>
           </p:cNvPr>
@@ -9068,50 +10384,114 @@
           <a:bodyPr/>
           <a:lstStyle/>
           <a:p>
-            <a:endParaRPr lang="zh-TW" altLang="en-US"/>
+            <a:r>
+              <a:rPr lang="zh-TW" altLang="en-US" dirty="0"/>
+              <a:t>為什麼選擇谷歌雲端平台</a:t>
+            </a:r>
+            <a:r>
+              <a:rPr lang="en-US" altLang="zh-TW" dirty="0"/>
+              <a:t>(</a:t>
+            </a:r>
+            <a:r>
+              <a:rPr lang="zh-TW" altLang="en-US" dirty="0"/>
+              <a:t>續</a:t>
+            </a:r>
+            <a:r>
+              <a:rPr lang="en-US" altLang="zh-TW" dirty="0"/>
+              <a:t>)</a:t>
+            </a:r>
+            <a:endParaRPr lang="zh-TW" altLang="en-US" dirty="0"/>
           </a:p>
         </p:txBody>
       </p:sp>
-      <p:pic>
-        <p:nvPicPr>
-          <p:cNvPr id="4" name="圖片 3">
+      <p:sp>
+        <p:nvSpPr>
+          <p:cNvPr id="3" name="內容版面配置區 2">
             <a:extLst>
               <a:ext uri="{FF2B5EF4-FFF2-40B4-BE49-F238E27FC236}">
-                <a16:creationId xmlns:a16="http://schemas.microsoft.com/office/drawing/2014/main" id="{0F3A3469-D34E-4F7F-9F99-2BEE51B08E40}"/>
+                <a16:creationId xmlns:a16="http://schemas.microsoft.com/office/drawing/2014/main" id="{D98A0F90-672A-455D-A3F3-A351C54434D5}"/>
               </a:ext>
             </a:extLst>
           </p:cNvPr>
-          <p:cNvPicPr>
-            <a:picLocks noChangeAspect="1"/>
-          </p:cNvPicPr>
-          <p:nvPr/>
-        </p:nvPicPr>
-        <p:blipFill>
-          <a:blip r:embed="rId2">
-            <a:extLst>
-              <a:ext uri="{28A0092B-C50C-407E-A947-70E740481C1C}">
-                <a14:useLocalDpi xmlns:a14="http://schemas.microsoft.com/office/drawing/2010/main" val="0"/>
-              </a:ext>
-            </a:extLst>
-          </a:blip>
-          <a:stretch>
-            <a:fillRect/>
-          </a:stretch>
-        </p:blipFill>
+          <p:cNvSpPr>
+            <a:spLocks noGrp="1"/>
+          </p:cNvSpPr>
+          <p:nvPr>
+            <p:ph idx="1"/>
+          </p:nvPr>
+        </p:nvSpPr>
         <p:spPr>
           <a:xfrm>
-            <a:off x="984065" y="382385"/>
-            <a:ext cx="10713548" cy="5690346"/>
+            <a:off x="1251678" y="1263192"/>
+            <a:ext cx="10178322" cy="4616401"/>
           </a:xfrm>
-          <a:prstGeom prst="rect">
-            <a:avLst/>
-          </a:prstGeom>
         </p:spPr>
-      </p:pic>
+        <p:txBody>
+          <a:bodyPr>
+            <a:normAutofit/>
+          </a:bodyPr>
+          <a:lstStyle/>
+          <a:p>
+            <a:endParaRPr lang="zh-TW" altLang="en-US" dirty="0"/>
+          </a:p>
+          <a:p>
+            <a:pPr marL="742950" indent="-742950">
+              <a:buFont typeface="+mj-lt"/>
+              <a:buAutoNum type="arabicPeriod" startAt="2"/>
+            </a:pPr>
+            <a:r>
+              <a:rPr lang="zh-TW" altLang="en-US" sz="3600" dirty="0"/>
+              <a:t>專注於您的產品</a:t>
+            </a:r>
+          </a:p>
+          <a:p>
+            <a:pPr marL="0" indent="0">
+              <a:buNone/>
+            </a:pPr>
+            <a:r>
+              <a:rPr lang="zh-TW" altLang="en-US" sz="2800" dirty="0"/>
+              <a:t>快速開發，部署和迭代應用程序，而無需擔心系統管理。 </a:t>
+            </a:r>
+            <a:r>
+              <a:rPr lang="en-US" altLang="zh-TW" sz="2800" dirty="0"/>
+              <a:t>Google</a:t>
+            </a:r>
+            <a:r>
+              <a:rPr lang="zh-TW" altLang="en-US" sz="2800" dirty="0"/>
+              <a:t>可以管理您的應用程序，資料庫和儲存伺服器，因此您不必花心力去做。</a:t>
+            </a:r>
+          </a:p>
+          <a:p>
+            <a:pPr lvl="1"/>
+            <a:r>
+              <a:rPr lang="zh-TW" altLang="en-US" sz="2600" dirty="0"/>
+              <a:t>管理服務器</a:t>
+            </a:r>
+          </a:p>
+          <a:p>
+            <a:pPr lvl="1"/>
+            <a:r>
+              <a:rPr lang="zh-TW" altLang="en-US" sz="2600" dirty="0"/>
+              <a:t>開發人員工具和</a:t>
+            </a:r>
+            <a:r>
+              <a:rPr lang="en-US" altLang="zh-TW" sz="2600" dirty="0"/>
+              <a:t>SDK</a:t>
+            </a:r>
+          </a:p>
+          <a:p>
+            <a:pPr lvl="1"/>
+            <a:r>
+              <a:rPr lang="zh-TW" altLang="en-US" sz="2600" dirty="0"/>
+              <a:t>控制台和管理</a:t>
+            </a:r>
+          </a:p>
+        </p:txBody>
+      </p:sp>
     </p:spTree>
     <p:extLst>
       <p:ext uri="{BB962C8B-B14F-4D97-AF65-F5344CB8AC3E}">
-        <p14:creationId xmlns:p14="http://schemas.microsoft.com/office/powerpoint/2010/main" val="36537360"/>
+        <p14:creationId xmlns:p14="http://schemas.microsoft.com/office/powerpoint/2010/main" val="1245621850"/>
       </p:ext>
     </p:extLst>
   </p:cSld>
@@ -9143,7 +10523,7 @@
           <p:cNvPr id="2" name="標題 1">
             <a:extLst>
               <a:ext uri="{FF2B5EF4-FFF2-40B4-BE49-F238E27FC236}">
-                <a16:creationId xmlns:a16="http://schemas.microsoft.com/office/drawing/2014/main" id="{5C40C66A-2315-4F2E-AD2F-B13C4D4B84D8}"/>
+                <a16:creationId xmlns:a16="http://schemas.microsoft.com/office/drawing/2014/main" id="{9E2B33F9-6D61-4D40-89B0-1EB849321CA6}"/>
               </a:ext>
             </a:extLst>
           </p:cNvPr>
@@ -9159,50 +10539,193 @@
           <a:bodyPr/>
           <a:lstStyle/>
           <a:p>
-            <a:endParaRPr lang="zh-TW" altLang="en-US"/>
+            <a:r>
+              <a:rPr lang="zh-TW" altLang="en-US" dirty="0"/>
+              <a:t>為什麼選擇谷歌雲端平台</a:t>
+            </a:r>
+            <a:r>
+              <a:rPr lang="en-US" altLang="zh-TW" dirty="0"/>
+              <a:t>(</a:t>
+            </a:r>
+            <a:r>
+              <a:rPr lang="zh-TW" altLang="en-US" dirty="0"/>
+              <a:t>續</a:t>
+            </a:r>
+            <a:r>
+              <a:rPr lang="en-US" altLang="zh-TW" dirty="0"/>
+              <a:t>)</a:t>
+            </a:r>
+            <a:endParaRPr lang="zh-TW" altLang="en-US" dirty="0"/>
           </a:p>
         </p:txBody>
       </p:sp>
-      <p:pic>
-        <p:nvPicPr>
-          <p:cNvPr id="4" name="圖片 3">
+      <p:sp>
+        <p:nvSpPr>
+          <p:cNvPr id="3" name="內容版面配置區 2">
             <a:extLst>
               <a:ext uri="{FF2B5EF4-FFF2-40B4-BE49-F238E27FC236}">
-                <a16:creationId xmlns:a16="http://schemas.microsoft.com/office/drawing/2014/main" id="{F3A2338C-A16B-4433-B2E7-72F40CC79526}"/>
+                <a16:creationId xmlns:a16="http://schemas.microsoft.com/office/drawing/2014/main" id="{EB9186DC-93B3-438B-B2CA-A9414870425C}"/>
               </a:ext>
             </a:extLst>
           </p:cNvPr>
-          <p:cNvPicPr>
-            <a:picLocks noChangeAspect="1"/>
-          </p:cNvPicPr>
-          <p:nvPr/>
-        </p:nvPicPr>
-        <p:blipFill>
-          <a:blip r:embed="rId2">
-            <a:extLst>
-              <a:ext uri="{28A0092B-C50C-407E-A947-70E740481C1C}">
-                <a14:useLocalDpi xmlns:a14="http://schemas.microsoft.com/office/drawing/2010/main" val="0"/>
-              </a:ext>
-            </a:extLst>
-          </a:blip>
-          <a:stretch>
-            <a:fillRect/>
-          </a:stretch>
-        </p:blipFill>
+          <p:cNvSpPr>
+            <a:spLocks noGrp="1"/>
+          </p:cNvSpPr>
+          <p:nvPr>
+            <p:ph idx="1"/>
+          </p:nvPr>
+        </p:nvSpPr>
         <p:spPr>
           <a:xfrm>
-            <a:off x="1058238" y="681823"/>
-            <a:ext cx="10720370" cy="5662325"/>
+            <a:off x="1251678" y="1178351"/>
+            <a:ext cx="10178322" cy="4701241"/>
           </a:xfrm>
-          <a:prstGeom prst="rect">
-            <a:avLst/>
-          </a:prstGeom>
         </p:spPr>
-      </p:pic>
+        <p:txBody>
+          <a:bodyPr>
+            <a:normAutofit/>
+          </a:bodyPr>
+          <a:lstStyle/>
+          <a:p>
+            <a:pPr marL="457200" indent="-457200">
+              <a:buFont typeface="+mj-lt"/>
+              <a:buAutoNum type="arabicPeriod" startAt="3"/>
+            </a:pPr>
+            <a:r>
+              <a:rPr lang="zh-TW" altLang="zh-TW" sz="2800" kern="100" dirty="0">
+                <a:latin typeface="Calibri" panose="020F0502020204030204" pitchFamily="34" charset="0"/>
+                <a:ea typeface="新細明體" panose="02020500000000000000" pitchFamily="18" charset="-120"/>
+                <a:cs typeface="Times New Roman" panose="02020603050405020304" pitchFamily="18" charset="0"/>
+              </a:rPr>
+              <a:t>混合服務</a:t>
+            </a:r>
+          </a:p>
+          <a:p>
+            <a:r>
+              <a:rPr lang="zh-TW" altLang="zh-TW" sz="2800" kern="100" dirty="0">
+                <a:latin typeface="Calibri" panose="020F0502020204030204" pitchFamily="34" charset="0"/>
+                <a:ea typeface="新細明體" panose="02020500000000000000" pitchFamily="18" charset="-120"/>
+                <a:cs typeface="Times New Roman" panose="02020603050405020304" pitchFamily="18" charset="0"/>
+              </a:rPr>
+              <a:t>虛擬機。 託管平台。</a:t>
+            </a:r>
+            <a:r>
+              <a:rPr lang="en-US" altLang="zh-TW" sz="2800" kern="100" dirty="0">
+                <a:latin typeface="Calibri" panose="020F0502020204030204" pitchFamily="34" charset="0"/>
+                <a:ea typeface="新細明體" panose="02020500000000000000" pitchFamily="18" charset="-120"/>
+                <a:cs typeface="Times New Roman" panose="02020603050405020304" pitchFamily="18" charset="0"/>
+              </a:rPr>
+              <a:t> Blob</a:t>
+            </a:r>
+            <a:r>
+              <a:rPr lang="zh-TW" altLang="zh-TW" sz="2800" kern="100" dirty="0">
+                <a:latin typeface="Calibri" panose="020F0502020204030204" pitchFamily="34" charset="0"/>
+                <a:ea typeface="新細明體" panose="02020500000000000000" pitchFamily="18" charset="-120"/>
+                <a:cs typeface="Times New Roman" panose="02020603050405020304" pitchFamily="18" charset="0"/>
+              </a:rPr>
+              <a:t>存儲。 塊存儲。</a:t>
+            </a:r>
+            <a:r>
+              <a:rPr lang="en-US" altLang="zh-TW" sz="2800" kern="100" dirty="0">
+                <a:latin typeface="Calibri" panose="020F0502020204030204" pitchFamily="34" charset="0"/>
+                <a:ea typeface="新細明體" panose="02020500000000000000" pitchFamily="18" charset="-120"/>
+                <a:cs typeface="Times New Roman" panose="02020603050405020304" pitchFamily="18" charset="0"/>
+              </a:rPr>
+              <a:t> NoSQL</a:t>
+            </a:r>
+            <a:r>
+              <a:rPr lang="zh-TW" altLang="zh-TW" sz="2800" kern="100" dirty="0">
+                <a:latin typeface="Calibri" panose="020F0502020204030204" pitchFamily="34" charset="0"/>
+                <a:ea typeface="新細明體" panose="02020500000000000000" pitchFamily="18" charset="-120"/>
+                <a:cs typeface="Times New Roman" panose="02020603050405020304" pitchFamily="18" charset="0"/>
+              </a:rPr>
+              <a:t>數據存儲。</a:t>
+            </a:r>
+            <a:endParaRPr lang="en-US" altLang="zh-TW" sz="2800" kern="100" dirty="0">
+              <a:latin typeface="Calibri" panose="020F0502020204030204" pitchFamily="34" charset="0"/>
+              <a:ea typeface="新細明體" panose="02020500000000000000" pitchFamily="18" charset="-120"/>
+              <a:cs typeface="Times New Roman" panose="02020603050405020304" pitchFamily="18" charset="0"/>
+            </a:endParaRPr>
+          </a:p>
+          <a:p>
+            <a:pPr marL="0" indent="0">
+              <a:buNone/>
+            </a:pPr>
+            <a:r>
+              <a:rPr lang="en-US" altLang="zh-TW" sz="2800" kern="100" dirty="0">
+                <a:latin typeface="Calibri" panose="020F0502020204030204" pitchFamily="34" charset="0"/>
+                <a:ea typeface="新細明體" panose="02020500000000000000" pitchFamily="18" charset="-120"/>
+                <a:cs typeface="Times New Roman" panose="02020603050405020304" pitchFamily="18" charset="0"/>
+              </a:rPr>
+              <a:t>    MySQL</a:t>
+            </a:r>
+            <a:r>
+              <a:rPr lang="zh-TW" altLang="zh-TW" sz="2800" kern="100" dirty="0">
+                <a:latin typeface="Calibri" panose="020F0502020204030204" pitchFamily="34" charset="0"/>
+                <a:ea typeface="新細明體" panose="02020500000000000000" pitchFamily="18" charset="-120"/>
+                <a:cs typeface="Times New Roman" panose="02020603050405020304" pitchFamily="18" charset="0"/>
+              </a:rPr>
+              <a:t>數據庫。 大數據分析。</a:t>
+            </a:r>
+          </a:p>
+          <a:p>
+            <a:r>
+              <a:rPr lang="en-US" altLang="zh-TW" sz="2800" kern="100" dirty="0">
+                <a:latin typeface="Calibri" panose="020F0502020204030204" pitchFamily="34" charset="0"/>
+                <a:ea typeface="新細明體" panose="02020500000000000000" pitchFamily="18" charset="-120"/>
+                <a:cs typeface="Times New Roman" panose="02020603050405020304" pitchFamily="18" charset="0"/>
+              </a:rPr>
+              <a:t>Google</a:t>
+            </a:r>
+            <a:r>
+              <a:rPr lang="zh-TW" altLang="zh-TW" sz="2800" kern="100" dirty="0">
+                <a:latin typeface="Calibri" panose="020F0502020204030204" pitchFamily="34" charset="0"/>
+                <a:ea typeface="新細明體" panose="02020500000000000000" pitchFamily="18" charset="-120"/>
+                <a:cs typeface="Times New Roman" panose="02020603050405020304" pitchFamily="18" charset="0"/>
+              </a:rPr>
+              <a:t>雲端平台可提供您的應用架構所需的所有服務。</a:t>
+            </a:r>
+          </a:p>
+          <a:p>
+            <a:pPr lvl="1"/>
+            <a:r>
+              <a:rPr lang="zh-TW" altLang="zh-TW" sz="2800" kern="100" dirty="0">
+                <a:latin typeface="Calibri" panose="020F0502020204030204" pitchFamily="34" charset="0"/>
+                <a:ea typeface="新細明體" panose="02020500000000000000" pitchFamily="18" charset="-120"/>
+                <a:cs typeface="Times New Roman" panose="02020603050405020304" pitchFamily="18" charset="0"/>
+              </a:rPr>
+              <a:t>計算</a:t>
+            </a:r>
+          </a:p>
+          <a:p>
+            <a:pPr lvl="1"/>
+            <a:r>
+              <a:rPr lang="zh-TW" altLang="zh-TW" sz="2800" kern="100" dirty="0">
+                <a:latin typeface="Calibri" panose="020F0502020204030204" pitchFamily="34" charset="0"/>
+                <a:ea typeface="新細明體" panose="02020500000000000000" pitchFamily="18" charset="-120"/>
+                <a:cs typeface="Times New Roman" panose="02020603050405020304" pitchFamily="18" charset="0"/>
+              </a:rPr>
+              <a:t>存儲</a:t>
+            </a:r>
+          </a:p>
+          <a:p>
+            <a:pPr lvl="1"/>
+            <a:r>
+              <a:rPr lang="zh-TW" altLang="zh-TW" sz="2800" kern="100" dirty="0">
+                <a:latin typeface="Calibri" panose="020F0502020204030204" pitchFamily="34" charset="0"/>
+                <a:ea typeface="新細明體" panose="02020500000000000000" pitchFamily="18" charset="-120"/>
+                <a:cs typeface="Times New Roman" panose="02020603050405020304" pitchFamily="18" charset="0"/>
+              </a:rPr>
+              <a:t>服務</a:t>
+            </a:r>
+            <a:endParaRPr lang="zh-TW" altLang="en-US" sz="2800" dirty="0"/>
+          </a:p>
+        </p:txBody>
+      </p:sp>
     </p:spTree>
     <p:extLst>
       <p:ext uri="{BB962C8B-B14F-4D97-AF65-F5344CB8AC3E}">
-        <p14:creationId xmlns:p14="http://schemas.microsoft.com/office/powerpoint/2010/main" val="3306058167"/>
+        <p14:creationId xmlns:p14="http://schemas.microsoft.com/office/powerpoint/2010/main" val="2288397430"/>
       </p:ext>
     </p:extLst>
   </p:cSld>
@@ -9234,7 +10757,7 @@
           <p:cNvPr id="2" name="標題 1">
             <a:extLst>
               <a:ext uri="{FF2B5EF4-FFF2-40B4-BE49-F238E27FC236}">
-                <a16:creationId xmlns:a16="http://schemas.microsoft.com/office/drawing/2014/main" id="{7EDDB894-2DAA-4CCB-92DC-D9F321FEBE25}"/>
+                <a16:creationId xmlns:a16="http://schemas.microsoft.com/office/drawing/2014/main" id="{14E196AD-6DE3-4BAB-A578-CA1418D48CFE}"/>
               </a:ext>
             </a:extLst>
           </p:cNvPr>
@@ -9250,50 +10773,146 @@
           <a:bodyPr/>
           <a:lstStyle/>
           <a:p>
-            <a:endParaRPr lang="zh-TW" altLang="en-US"/>
+            <a:r>
+              <a:rPr lang="zh-TW" altLang="en-US" dirty="0"/>
+              <a:t>為什麼選擇谷歌雲端平台</a:t>
+            </a:r>
+            <a:r>
+              <a:rPr lang="en-US" altLang="zh-TW" dirty="0"/>
+              <a:t>(</a:t>
+            </a:r>
+            <a:r>
+              <a:rPr lang="zh-TW" altLang="en-US" dirty="0"/>
+              <a:t>續</a:t>
+            </a:r>
+            <a:r>
+              <a:rPr lang="en-US" altLang="zh-TW" dirty="0"/>
+              <a:t>)</a:t>
+            </a:r>
+            <a:endParaRPr lang="zh-TW" altLang="en-US" dirty="0"/>
           </a:p>
         </p:txBody>
       </p:sp>
-      <p:pic>
-        <p:nvPicPr>
-          <p:cNvPr id="4" name="圖片 3">
+      <p:sp>
+        <p:nvSpPr>
+          <p:cNvPr id="3" name="內容版面配置區 2">
             <a:extLst>
               <a:ext uri="{FF2B5EF4-FFF2-40B4-BE49-F238E27FC236}">
-                <a16:creationId xmlns:a16="http://schemas.microsoft.com/office/drawing/2014/main" id="{3E7C0D96-7E64-4DDC-9C2D-BF10036C851F}"/>
+                <a16:creationId xmlns:a16="http://schemas.microsoft.com/office/drawing/2014/main" id="{72ECB51B-AB65-49A2-AF94-4B4E818A49F7}"/>
               </a:ext>
             </a:extLst>
           </p:cNvPr>
-          <p:cNvPicPr>
-            <a:picLocks noChangeAspect="1"/>
-          </p:cNvPicPr>
-          <p:nvPr/>
-        </p:nvPicPr>
-        <p:blipFill>
-          <a:blip r:embed="rId2">
-            <a:extLst>
-              <a:ext uri="{28A0092B-C50C-407E-A947-70E740481C1C}">
-                <a14:useLocalDpi xmlns:a14="http://schemas.microsoft.com/office/drawing/2010/main" val="0"/>
-              </a:ext>
-            </a:extLst>
-          </a:blip>
-          <a:stretch>
-            <a:fillRect/>
-          </a:stretch>
-        </p:blipFill>
+          <p:cNvSpPr>
+            <a:spLocks noGrp="1"/>
+          </p:cNvSpPr>
+          <p:nvPr>
+            <p:ph idx="1"/>
+          </p:nvPr>
+        </p:nvSpPr>
         <p:spPr>
           <a:xfrm>
-            <a:off x="1105828" y="663014"/>
-            <a:ext cx="10324172" cy="5531972"/>
+            <a:off x="1251678" y="1404594"/>
+            <a:ext cx="10178322" cy="5269583"/>
           </a:xfrm>
-          <a:prstGeom prst="rect">
-            <a:avLst/>
-          </a:prstGeom>
         </p:spPr>
-      </p:pic>
+        <p:txBody>
+          <a:bodyPr>
+            <a:noAutofit/>
+          </a:bodyPr>
+          <a:lstStyle/>
+          <a:p>
+            <a:pPr marL="457200" indent="-457200">
+              <a:buFont typeface="+mj-lt"/>
+              <a:buAutoNum type="arabicPeriod" startAt="4"/>
+            </a:pPr>
+            <a:r>
+              <a:rPr lang="zh-TW" altLang="en-US" sz="2400" dirty="0"/>
+              <a:t>擴展到數百萬用戶</a:t>
+            </a:r>
+          </a:p>
+          <a:p>
+            <a:pPr marL="0" indent="0">
+              <a:buNone/>
+            </a:pPr>
+            <a:r>
+              <a:rPr lang="zh-TW" altLang="en-US" sz="2400" dirty="0"/>
+              <a:t>託管在</a:t>
+            </a:r>
+            <a:r>
+              <a:rPr lang="en-US" altLang="zh-TW" sz="2400" dirty="0"/>
+              <a:t>Cloud Platform</a:t>
+            </a:r>
+            <a:r>
+              <a:rPr lang="zh-TW" altLang="en-US" sz="2400" dirty="0"/>
+              <a:t>上的應用程序可以自動擴展以處理最苛刻的工作負載，並在流量減少時自動縮減。 您只需為自己使用的東西付費。</a:t>
+            </a:r>
+          </a:p>
+          <a:p>
+            <a:pPr>
+              <a:buFont typeface="Wingdings" panose="05000000000000000000" pitchFamily="2" charset="2"/>
+              <a:buChar char="l"/>
+            </a:pPr>
+            <a:r>
+              <a:rPr lang="zh-TW" altLang="en-US" sz="2400" dirty="0"/>
+              <a:t>向上擴展：</a:t>
+            </a:r>
+            <a:r>
+              <a:rPr lang="en-US" altLang="zh-TW" sz="2400" dirty="0"/>
+              <a:t>Cloud Platform</a:t>
+            </a:r>
+            <a:r>
+              <a:rPr lang="zh-TW" altLang="en-US" sz="2400" dirty="0"/>
+              <a:t>的設計可像</a:t>
+            </a:r>
+            <a:r>
+              <a:rPr lang="en-US" altLang="zh-TW" sz="2400" dirty="0"/>
+              <a:t>Google</a:t>
+            </a:r>
+            <a:r>
+              <a:rPr lang="zh-TW" altLang="en-US" sz="2400" dirty="0"/>
+              <a:t>自己的產品一樣進行擴展，即使您遇到巨大的流量高峰。 諸如</a:t>
+            </a:r>
+            <a:r>
+              <a:rPr lang="en-US" altLang="zh-TW" sz="2400" dirty="0"/>
+              <a:t>App Engine</a:t>
+            </a:r>
+            <a:r>
+              <a:rPr lang="zh-TW" altLang="en-US" sz="2400" dirty="0"/>
+              <a:t>或</a:t>
+            </a:r>
+            <a:r>
+              <a:rPr lang="en-US" altLang="zh-TW" sz="2400" dirty="0"/>
+              <a:t>Cloud Datastore</a:t>
+            </a:r>
+            <a:r>
+              <a:rPr lang="zh-TW" altLang="en-US" sz="2400" dirty="0"/>
+              <a:t>之類的託管服務為您提供了自動擴展功能，使您的應用程序可以隨著用戶的增長而增長。</a:t>
+            </a:r>
+          </a:p>
+          <a:p>
+            <a:pPr>
+              <a:buFont typeface="Wingdings" panose="05000000000000000000" pitchFamily="2" charset="2"/>
+              <a:buChar char="l"/>
+            </a:pPr>
+            <a:r>
+              <a:rPr lang="zh-TW" altLang="en-US" sz="2400" dirty="0"/>
+              <a:t>縮小：就像</a:t>
+            </a:r>
+            <a:r>
+              <a:rPr lang="en-US" altLang="zh-TW" sz="2400" dirty="0"/>
+              <a:t>Cloud Platform</a:t>
+            </a:r>
+            <a:r>
+              <a:rPr lang="zh-TW" altLang="en-US" sz="2400" dirty="0"/>
+              <a:t>允許您放大一樣，託管服務也可以縮小。 您無需為不需要的計算資源付費。</a:t>
+            </a:r>
+          </a:p>
+        </p:txBody>
+      </p:sp>
     </p:spTree>
     <p:extLst>
       <p:ext uri="{BB962C8B-B14F-4D97-AF65-F5344CB8AC3E}">
-        <p14:creationId xmlns:p14="http://schemas.microsoft.com/office/powerpoint/2010/main" val="3466864722"/>
+        <p14:creationId xmlns:p14="http://schemas.microsoft.com/office/powerpoint/2010/main" val="390793868"/>
       </p:ext>
     </p:extLst>
   </p:cSld>
